--- a/Homework8/Presentation2.pptx
+++ b/Homework8/Presentation2.pptx
@@ -9,10 +9,10 @@
   </p:notesMasterIdLst>
   <p:sldIdLst>
     <p:sldId id="256" r:id="rId2"/>
-    <p:sldId id="263" r:id="rId3"/>
-    <p:sldId id="264" r:id="rId4"/>
-    <p:sldId id="265" r:id="rId5"/>
-    <p:sldId id="257" r:id="rId6"/>
+    <p:sldId id="264" r:id="rId3"/>
+    <p:sldId id="263" r:id="rId4"/>
+    <p:sldId id="266" r:id="rId5"/>
+    <p:sldId id="265" r:id="rId6"/>
     <p:sldId id="258" r:id="rId7"/>
     <p:sldId id="259" r:id="rId8"/>
     <p:sldId id="260" r:id="rId9"/>
@@ -927,110 +927,6 @@
   <p:cSld>
     <p:spTree>
       <p:nvGrpSpPr>
-        <p:cNvPr id="1" name="Shape 55"/>
-        <p:cNvGrpSpPr/>
-        <p:nvPr/>
-      </p:nvGrpSpPr>
-      <p:grpSpPr>
-        <a:xfrm>
-          <a:off x="0" y="0"/>
-          <a:ext cx="0" cy="0"/>
-          <a:chOff x="0" y="0"/>
-          <a:chExt cx="0" cy="0"/>
-        </a:xfrm>
-      </p:grpSpPr>
-      <p:sp>
-        <p:nvSpPr>
-          <p:cNvPr id="56" name="Google Shape;56;g2a08bf0c0f1_0_3:notes"/>
-          <p:cNvSpPr>
-            <a:spLocks noGrp="1" noRot="1" noChangeAspect="1"/>
-          </p:cNvSpPr>
-          <p:nvPr>
-            <p:ph type="sldImg" idx="2"/>
-          </p:nvPr>
-        </p:nvSpPr>
-        <p:spPr>
-          <a:xfrm>
-            <a:off x="381000" y="685800"/>
-            <a:ext cx="6096000" cy="3429000"/>
-          </a:xfrm>
-          <a:custGeom>
-            <a:avLst/>
-            <a:gdLst/>
-            <a:ahLst/>
-            <a:cxnLst/>
-            <a:rect l="l" t="t" r="r" b="b"/>
-            <a:pathLst>
-              <a:path w="120000" h="120000" extrusionOk="0">
-                <a:moveTo>
-                  <a:pt x="0" y="0"/>
-                </a:moveTo>
-                <a:lnTo>
-                  <a:pt x="120000" y="0"/>
-                </a:lnTo>
-                <a:lnTo>
-                  <a:pt x="120000" y="120000"/>
-                </a:lnTo>
-                <a:lnTo>
-                  <a:pt x="0" y="120000"/>
-                </a:lnTo>
-                <a:close/>
-              </a:path>
-            </a:pathLst>
-          </a:custGeom>
-        </p:spPr>
-      </p:sp>
-      <p:sp>
-        <p:nvSpPr>
-          <p:cNvPr id="57" name="Google Shape;57;g2a08bf0c0f1_0_3:notes"/>
-          <p:cNvSpPr txBox="1">
-            <a:spLocks noGrp="1"/>
-          </p:cNvSpPr>
-          <p:nvPr>
-            <p:ph type="body" idx="1"/>
-          </p:nvPr>
-        </p:nvSpPr>
-        <p:spPr>
-          <a:xfrm>
-            <a:off x="685800" y="4343400"/>
-            <a:ext cx="5486400" cy="4114800"/>
-          </a:xfrm>
-          <a:prstGeom prst="rect">
-            <a:avLst/>
-          </a:prstGeom>
-        </p:spPr>
-        <p:txBody>
-          <a:bodyPr spcFirstLastPara="1" wrap="square" lIns="91425" tIns="91425" rIns="91425" bIns="91425" anchor="t" anchorCtr="0">
-            <a:noAutofit/>
-          </a:bodyPr>
-          <a:lstStyle/>
-          <a:p>
-            <a:pPr marL="0" lvl="0" indent="0" algn="l" rtl="0">
-              <a:spcBef>
-                <a:spcPts val="0"/>
-              </a:spcBef>
-              <a:spcAft>
-                <a:spcPts val="0"/>
-              </a:spcAft>
-              <a:buNone/>
-            </a:pPr>
-            <a:endParaRPr/>
-          </a:p>
-        </p:txBody>
-      </p:sp>
-    </p:spTree>
-  </p:cSld>
-  <p:clrMapOvr>
-    <a:masterClrMapping/>
-  </p:clrMapOvr>
-</p:notes>
-</file>
-
-<file path=ppt/notesSlides/notesSlide4.xml><?xml version="1.0" encoding="utf-8"?>
-<p:notes xmlns:a="http://schemas.openxmlformats.org/drawingml/2006/main" xmlns:r="http://schemas.openxmlformats.org/officeDocument/2006/relationships" xmlns:p="http://schemas.openxmlformats.org/presentationml/2006/main" showMasterSp="0" showMasterPhAnim="0">
-  <p:cSld>
-    <p:spTree>
-      <p:nvGrpSpPr>
         <p:cNvPr id="1" name="Shape 61"/>
         <p:cNvGrpSpPr/>
         <p:nvPr/>
@@ -1130,7 +1026,7 @@
 </p:notes>
 </file>
 
-<file path=ppt/notesSlides/notesSlide5.xml><?xml version="1.0" encoding="utf-8"?>
+<file path=ppt/notesSlides/notesSlide4.xml><?xml version="1.0" encoding="utf-8"?>
 <p:notes xmlns:a="http://schemas.openxmlformats.org/drawingml/2006/main" xmlns:r="http://schemas.openxmlformats.org/officeDocument/2006/relationships" xmlns:p="http://schemas.openxmlformats.org/presentationml/2006/main" showMasterSp="0" showMasterPhAnim="0">
   <p:cSld>
     <p:spTree>
@@ -1234,7 +1130,7 @@
 </p:notes>
 </file>
 
-<file path=ppt/notesSlides/notesSlide6.xml><?xml version="1.0" encoding="utf-8"?>
+<file path=ppt/notesSlides/notesSlide5.xml><?xml version="1.0" encoding="utf-8"?>
 <p:notes xmlns:a="http://schemas.openxmlformats.org/drawingml/2006/main" xmlns:r="http://schemas.openxmlformats.org/officeDocument/2006/relationships" xmlns:p="http://schemas.openxmlformats.org/presentationml/2006/main" showMasterSp="0" showMasterPhAnim="0">
   <p:cSld>
     <p:spTree>
@@ -1338,7 +1234,7 @@
 </p:notes>
 </file>
 
-<file path=ppt/notesSlides/notesSlide7.xml><?xml version="1.0" encoding="utf-8"?>
+<file path=ppt/notesSlides/notesSlide6.xml><?xml version="1.0" encoding="utf-8"?>
 <p:notes xmlns:a="http://schemas.openxmlformats.org/drawingml/2006/main" xmlns:r="http://schemas.openxmlformats.org/officeDocument/2006/relationships" xmlns:p="http://schemas.openxmlformats.org/presentationml/2006/main" showMasterSp="0" showMasterPhAnim="0">
   <p:cSld>
     <p:spTree>
@@ -6439,6 +6335,1034 @@
     </p:bg>
     <p:spTree>
       <p:nvGrpSpPr>
+        <p:cNvPr id="1" name=""/>
+        <p:cNvGrpSpPr/>
+        <p:nvPr/>
+      </p:nvGrpSpPr>
+      <p:grpSpPr>
+        <a:xfrm>
+          <a:off x="0" y="0"/>
+          <a:ext cx="0" cy="0"/>
+          <a:chOff x="0" y="0"/>
+          <a:chExt cx="0" cy="0"/>
+        </a:xfrm>
+      </p:grpSpPr>
+      <p:pic>
+        <p:nvPicPr>
+          <p:cNvPr id="5" name="图片 4" descr="文本&#10;&#10;描述已自动生成">
+            <a:extLst>
+              <a:ext uri="{FF2B5EF4-FFF2-40B4-BE49-F238E27FC236}">
+                <a16:creationId xmlns:a16="http://schemas.microsoft.com/office/drawing/2014/main" id="{B757AFFE-6B0E-B541-5857-B8FF5663B705}"/>
+              </a:ext>
+            </a:extLst>
+          </p:cNvPr>
+          <p:cNvPicPr>
+            <a:picLocks noChangeAspect="1"/>
+          </p:cNvPicPr>
+          <p:nvPr/>
+        </p:nvPicPr>
+        <p:blipFill>
+          <a:blip r:embed="rId2"/>
+          <a:stretch>
+            <a:fillRect/>
+          </a:stretch>
+        </p:blipFill>
+        <p:spPr>
+          <a:xfrm>
+            <a:off x="75289" y="1982645"/>
+            <a:ext cx="2154564" cy="1670601"/>
+          </a:xfrm>
+          <a:prstGeom prst="rect">
+            <a:avLst/>
+          </a:prstGeom>
+        </p:spPr>
+      </p:pic>
+      <p:pic>
+        <p:nvPicPr>
+          <p:cNvPr id="7" name="图片 6" descr="文本&#10;&#10;描述已自动生成">
+            <a:extLst>
+              <a:ext uri="{FF2B5EF4-FFF2-40B4-BE49-F238E27FC236}">
+                <a16:creationId xmlns:a16="http://schemas.microsoft.com/office/drawing/2014/main" id="{EB2DDEB3-F258-EBB7-7CF2-83B5EB3901CA}"/>
+              </a:ext>
+            </a:extLst>
+          </p:cNvPr>
+          <p:cNvPicPr>
+            <a:picLocks noChangeAspect="1"/>
+          </p:cNvPicPr>
+          <p:nvPr/>
+        </p:nvPicPr>
+        <p:blipFill>
+          <a:blip r:embed="rId3"/>
+          <a:stretch>
+            <a:fillRect/>
+          </a:stretch>
+        </p:blipFill>
+        <p:spPr>
+          <a:xfrm>
+            <a:off x="2326530" y="1982645"/>
+            <a:ext cx="2154564" cy="1670601"/>
+          </a:xfrm>
+          <a:prstGeom prst="rect">
+            <a:avLst/>
+          </a:prstGeom>
+        </p:spPr>
+      </p:pic>
+      <p:sp>
+        <p:nvSpPr>
+          <p:cNvPr id="8" name="Google Shape;60;p14">
+            <a:extLst>
+              <a:ext uri="{FF2B5EF4-FFF2-40B4-BE49-F238E27FC236}">
+                <a16:creationId xmlns:a16="http://schemas.microsoft.com/office/drawing/2014/main" id="{3C97BE61-3320-30E6-1308-DAE0B563D56C}"/>
+              </a:ext>
+            </a:extLst>
+          </p:cNvPr>
+          <p:cNvSpPr txBox="1">
+            <a:spLocks/>
+          </p:cNvSpPr>
+          <p:nvPr/>
+        </p:nvSpPr>
+        <p:spPr>
+          <a:xfrm>
+            <a:off x="135340" y="1636435"/>
+            <a:ext cx="2034461" cy="474547"/>
+          </a:xfrm>
+          <a:prstGeom prst="rect">
+            <a:avLst/>
+          </a:prstGeom>
+          <a:noFill/>
+          <a:ln>
+            <a:noFill/>
+          </a:ln>
+        </p:spPr>
+        <p:txBody>
+          <a:bodyPr spcFirstLastPara="1" wrap="square" lIns="91425" tIns="91425" rIns="91425" bIns="91425" anchor="t" anchorCtr="0">
+            <a:noAutofit/>
+          </a:bodyPr>
+          <a:lstStyle>
+            <a:defPPr marR="0" lvl="0" algn="l" rtl="0">
+              <a:lnSpc>
+                <a:spcPct val="100000"/>
+              </a:lnSpc>
+              <a:spcBef>
+                <a:spcPts val="0"/>
+              </a:spcBef>
+              <a:spcAft>
+                <a:spcPts val="0"/>
+              </a:spcAft>
+            </a:defPPr>
+            <a:lvl1pPr marL="457200" marR="0" lvl="0" indent="-342900" algn="l" rtl="0">
+              <a:lnSpc>
+                <a:spcPct val="115000"/>
+              </a:lnSpc>
+              <a:spcBef>
+                <a:spcPts val="0"/>
+              </a:spcBef>
+              <a:spcAft>
+                <a:spcPts val="0"/>
+              </a:spcAft>
+              <a:buClr>
+                <a:schemeClr val="dk2"/>
+              </a:buClr>
+              <a:buSzPts val="1800"/>
+              <a:buFont typeface="Arial"/>
+              <a:buChar char="●"/>
+              <a:defRPr sz="1800" b="0" i="0" u="none" strike="noStrike" cap="none">
+                <a:solidFill>
+                  <a:schemeClr val="dk2"/>
+                </a:solidFill>
+                <a:latin typeface="Arial"/>
+                <a:ea typeface="Arial"/>
+                <a:cs typeface="Arial"/>
+                <a:sym typeface="Arial"/>
+              </a:defRPr>
+            </a:lvl1pPr>
+            <a:lvl2pPr marL="914400" marR="0" lvl="1" indent="-317500" algn="l" rtl="0">
+              <a:lnSpc>
+                <a:spcPct val="115000"/>
+              </a:lnSpc>
+              <a:spcBef>
+                <a:spcPts val="0"/>
+              </a:spcBef>
+              <a:spcAft>
+                <a:spcPts val="0"/>
+              </a:spcAft>
+              <a:buClr>
+                <a:schemeClr val="dk2"/>
+              </a:buClr>
+              <a:buSzPts val="1400"/>
+              <a:buFont typeface="Arial"/>
+              <a:buChar char="○"/>
+              <a:defRPr sz="1400" b="0" i="0" u="none" strike="noStrike" cap="none">
+                <a:solidFill>
+                  <a:schemeClr val="dk2"/>
+                </a:solidFill>
+                <a:latin typeface="Arial"/>
+                <a:ea typeface="Arial"/>
+                <a:cs typeface="Arial"/>
+                <a:sym typeface="Arial"/>
+              </a:defRPr>
+            </a:lvl2pPr>
+            <a:lvl3pPr marL="1371600" marR="0" lvl="2" indent="-317500" algn="l" rtl="0">
+              <a:lnSpc>
+                <a:spcPct val="115000"/>
+              </a:lnSpc>
+              <a:spcBef>
+                <a:spcPts val="0"/>
+              </a:spcBef>
+              <a:spcAft>
+                <a:spcPts val="0"/>
+              </a:spcAft>
+              <a:buClr>
+                <a:schemeClr val="dk2"/>
+              </a:buClr>
+              <a:buSzPts val="1400"/>
+              <a:buFont typeface="Arial"/>
+              <a:buChar char="■"/>
+              <a:defRPr sz="1400" b="0" i="0" u="none" strike="noStrike" cap="none">
+                <a:solidFill>
+                  <a:schemeClr val="dk2"/>
+                </a:solidFill>
+                <a:latin typeface="Arial"/>
+                <a:ea typeface="Arial"/>
+                <a:cs typeface="Arial"/>
+                <a:sym typeface="Arial"/>
+              </a:defRPr>
+            </a:lvl3pPr>
+            <a:lvl4pPr marL="1828800" marR="0" lvl="3" indent="-317500" algn="l" rtl="0">
+              <a:lnSpc>
+                <a:spcPct val="115000"/>
+              </a:lnSpc>
+              <a:spcBef>
+                <a:spcPts val="0"/>
+              </a:spcBef>
+              <a:spcAft>
+                <a:spcPts val="0"/>
+              </a:spcAft>
+              <a:buClr>
+                <a:schemeClr val="dk2"/>
+              </a:buClr>
+              <a:buSzPts val="1400"/>
+              <a:buFont typeface="Arial"/>
+              <a:buChar char="●"/>
+              <a:defRPr sz="1400" b="0" i="0" u="none" strike="noStrike" cap="none">
+                <a:solidFill>
+                  <a:schemeClr val="dk2"/>
+                </a:solidFill>
+                <a:latin typeface="Arial"/>
+                <a:ea typeface="Arial"/>
+                <a:cs typeface="Arial"/>
+                <a:sym typeface="Arial"/>
+              </a:defRPr>
+            </a:lvl4pPr>
+            <a:lvl5pPr marL="2286000" marR="0" lvl="4" indent="-317500" algn="l" rtl="0">
+              <a:lnSpc>
+                <a:spcPct val="115000"/>
+              </a:lnSpc>
+              <a:spcBef>
+                <a:spcPts val="0"/>
+              </a:spcBef>
+              <a:spcAft>
+                <a:spcPts val="0"/>
+              </a:spcAft>
+              <a:buClr>
+                <a:schemeClr val="dk2"/>
+              </a:buClr>
+              <a:buSzPts val="1400"/>
+              <a:buFont typeface="Arial"/>
+              <a:buChar char="○"/>
+              <a:defRPr sz="1400" b="0" i="0" u="none" strike="noStrike" cap="none">
+                <a:solidFill>
+                  <a:schemeClr val="dk2"/>
+                </a:solidFill>
+                <a:latin typeface="Arial"/>
+                <a:ea typeface="Arial"/>
+                <a:cs typeface="Arial"/>
+                <a:sym typeface="Arial"/>
+              </a:defRPr>
+            </a:lvl5pPr>
+            <a:lvl6pPr marL="2743200" marR="0" lvl="5" indent="-317500" algn="l" rtl="0">
+              <a:lnSpc>
+                <a:spcPct val="115000"/>
+              </a:lnSpc>
+              <a:spcBef>
+                <a:spcPts val="0"/>
+              </a:spcBef>
+              <a:spcAft>
+                <a:spcPts val="0"/>
+              </a:spcAft>
+              <a:buClr>
+                <a:schemeClr val="dk2"/>
+              </a:buClr>
+              <a:buSzPts val="1400"/>
+              <a:buFont typeface="Arial"/>
+              <a:buChar char="■"/>
+              <a:defRPr sz="1400" b="0" i="0" u="none" strike="noStrike" cap="none">
+                <a:solidFill>
+                  <a:schemeClr val="dk2"/>
+                </a:solidFill>
+                <a:latin typeface="Arial"/>
+                <a:ea typeface="Arial"/>
+                <a:cs typeface="Arial"/>
+                <a:sym typeface="Arial"/>
+              </a:defRPr>
+            </a:lvl6pPr>
+            <a:lvl7pPr marL="3200400" marR="0" lvl="6" indent="-317500" algn="l" rtl="0">
+              <a:lnSpc>
+                <a:spcPct val="115000"/>
+              </a:lnSpc>
+              <a:spcBef>
+                <a:spcPts val="0"/>
+              </a:spcBef>
+              <a:spcAft>
+                <a:spcPts val="0"/>
+              </a:spcAft>
+              <a:buClr>
+                <a:schemeClr val="dk2"/>
+              </a:buClr>
+              <a:buSzPts val="1400"/>
+              <a:buFont typeface="Arial"/>
+              <a:buChar char="●"/>
+              <a:defRPr sz="1400" b="0" i="0" u="none" strike="noStrike" cap="none">
+                <a:solidFill>
+                  <a:schemeClr val="dk2"/>
+                </a:solidFill>
+                <a:latin typeface="Arial"/>
+                <a:ea typeface="Arial"/>
+                <a:cs typeface="Arial"/>
+                <a:sym typeface="Arial"/>
+              </a:defRPr>
+            </a:lvl7pPr>
+            <a:lvl8pPr marL="3657600" marR="0" lvl="7" indent="-317500" algn="l" rtl="0">
+              <a:lnSpc>
+                <a:spcPct val="115000"/>
+              </a:lnSpc>
+              <a:spcBef>
+                <a:spcPts val="0"/>
+              </a:spcBef>
+              <a:spcAft>
+                <a:spcPts val="0"/>
+              </a:spcAft>
+              <a:buClr>
+                <a:schemeClr val="dk2"/>
+              </a:buClr>
+              <a:buSzPts val="1400"/>
+              <a:buFont typeface="Arial"/>
+              <a:buChar char="○"/>
+              <a:defRPr sz="1400" b="0" i="0" u="none" strike="noStrike" cap="none">
+                <a:solidFill>
+                  <a:schemeClr val="dk2"/>
+                </a:solidFill>
+                <a:latin typeface="Arial"/>
+                <a:ea typeface="Arial"/>
+                <a:cs typeface="Arial"/>
+                <a:sym typeface="Arial"/>
+              </a:defRPr>
+            </a:lvl8pPr>
+            <a:lvl9pPr marL="4114800" marR="0" lvl="8" indent="-317500" algn="l" rtl="0">
+              <a:lnSpc>
+                <a:spcPct val="115000"/>
+              </a:lnSpc>
+              <a:spcBef>
+                <a:spcPts val="0"/>
+              </a:spcBef>
+              <a:spcAft>
+                <a:spcPts val="0"/>
+              </a:spcAft>
+              <a:buClr>
+                <a:schemeClr val="dk2"/>
+              </a:buClr>
+              <a:buSzPts val="1400"/>
+              <a:buFont typeface="Arial"/>
+              <a:buChar char="■"/>
+              <a:defRPr sz="1400" b="0" i="0" u="none" strike="noStrike" cap="none">
+                <a:solidFill>
+                  <a:schemeClr val="dk2"/>
+                </a:solidFill>
+                <a:latin typeface="Arial"/>
+                <a:ea typeface="Arial"/>
+                <a:cs typeface="Arial"/>
+                <a:sym typeface="Arial"/>
+              </a:defRPr>
+            </a:lvl9pPr>
+          </a:lstStyle>
+          <a:p>
+            <a:pPr marL="165100" indent="0">
+              <a:buClr>
+                <a:schemeClr val="dk1"/>
+              </a:buClr>
+              <a:buSzPts val="1000"/>
+              <a:buNone/>
+            </a:pPr>
+            <a:r>
+              <a:rPr lang="en-US" sz="1000" dirty="0">
+                <a:solidFill>
+                  <a:schemeClr val="tx2"/>
+                </a:solidFill>
+              </a:rPr>
+              <a:t>Current Snow Condition API</a:t>
+            </a:r>
+          </a:p>
+          <a:p>
+            <a:pPr indent="-292100">
+              <a:buClr>
+                <a:schemeClr val="dk1"/>
+              </a:buClr>
+              <a:buSzPts val="1000"/>
+            </a:pPr>
+            <a:endParaRPr lang="en-US" sz="1600" dirty="0">
+              <a:solidFill>
+                <a:schemeClr val="tx2"/>
+              </a:solidFill>
+            </a:endParaRPr>
+          </a:p>
+        </p:txBody>
+      </p:sp>
+      <p:sp>
+        <p:nvSpPr>
+          <p:cNvPr id="9" name="Google Shape;60;p14">
+            <a:extLst>
+              <a:ext uri="{FF2B5EF4-FFF2-40B4-BE49-F238E27FC236}">
+                <a16:creationId xmlns:a16="http://schemas.microsoft.com/office/drawing/2014/main" id="{5BE62CB3-9FC9-215F-3CE6-7BD3E0E69BDC}"/>
+              </a:ext>
+            </a:extLst>
+          </p:cNvPr>
+          <p:cNvSpPr txBox="1">
+            <a:spLocks/>
+          </p:cNvSpPr>
+          <p:nvPr/>
+        </p:nvSpPr>
+        <p:spPr>
+          <a:xfrm>
+            <a:off x="2591839" y="1636434"/>
+            <a:ext cx="1623945" cy="474547"/>
+          </a:xfrm>
+          <a:prstGeom prst="rect">
+            <a:avLst/>
+          </a:prstGeom>
+          <a:noFill/>
+          <a:ln>
+            <a:noFill/>
+          </a:ln>
+        </p:spPr>
+        <p:txBody>
+          <a:bodyPr spcFirstLastPara="1" wrap="square" lIns="91425" tIns="91425" rIns="91425" bIns="91425" anchor="t" anchorCtr="0">
+            <a:noAutofit/>
+          </a:bodyPr>
+          <a:lstStyle>
+            <a:defPPr marR="0" lvl="0" algn="l" rtl="0">
+              <a:lnSpc>
+                <a:spcPct val="100000"/>
+              </a:lnSpc>
+              <a:spcBef>
+                <a:spcPts val="0"/>
+              </a:spcBef>
+              <a:spcAft>
+                <a:spcPts val="0"/>
+              </a:spcAft>
+            </a:defPPr>
+            <a:lvl1pPr marL="457200" marR="0" lvl="0" indent="-342900" algn="l" rtl="0">
+              <a:lnSpc>
+                <a:spcPct val="115000"/>
+              </a:lnSpc>
+              <a:spcBef>
+                <a:spcPts val="0"/>
+              </a:spcBef>
+              <a:spcAft>
+                <a:spcPts val="0"/>
+              </a:spcAft>
+              <a:buClr>
+                <a:schemeClr val="dk2"/>
+              </a:buClr>
+              <a:buSzPts val="1800"/>
+              <a:buFont typeface="Arial"/>
+              <a:buChar char="●"/>
+              <a:defRPr sz="1800" b="0" i="0" u="none" strike="noStrike" cap="none">
+                <a:solidFill>
+                  <a:schemeClr val="dk2"/>
+                </a:solidFill>
+                <a:latin typeface="Arial"/>
+                <a:ea typeface="Arial"/>
+                <a:cs typeface="Arial"/>
+                <a:sym typeface="Arial"/>
+              </a:defRPr>
+            </a:lvl1pPr>
+            <a:lvl2pPr marL="914400" marR="0" lvl="1" indent="-317500" algn="l" rtl="0">
+              <a:lnSpc>
+                <a:spcPct val="115000"/>
+              </a:lnSpc>
+              <a:spcBef>
+                <a:spcPts val="0"/>
+              </a:spcBef>
+              <a:spcAft>
+                <a:spcPts val="0"/>
+              </a:spcAft>
+              <a:buClr>
+                <a:schemeClr val="dk2"/>
+              </a:buClr>
+              <a:buSzPts val="1400"/>
+              <a:buFont typeface="Arial"/>
+              <a:buChar char="○"/>
+              <a:defRPr sz="1400" b="0" i="0" u="none" strike="noStrike" cap="none">
+                <a:solidFill>
+                  <a:schemeClr val="dk2"/>
+                </a:solidFill>
+                <a:latin typeface="Arial"/>
+                <a:ea typeface="Arial"/>
+                <a:cs typeface="Arial"/>
+                <a:sym typeface="Arial"/>
+              </a:defRPr>
+            </a:lvl2pPr>
+            <a:lvl3pPr marL="1371600" marR="0" lvl="2" indent="-317500" algn="l" rtl="0">
+              <a:lnSpc>
+                <a:spcPct val="115000"/>
+              </a:lnSpc>
+              <a:spcBef>
+                <a:spcPts val="0"/>
+              </a:spcBef>
+              <a:spcAft>
+                <a:spcPts val="0"/>
+              </a:spcAft>
+              <a:buClr>
+                <a:schemeClr val="dk2"/>
+              </a:buClr>
+              <a:buSzPts val="1400"/>
+              <a:buFont typeface="Arial"/>
+              <a:buChar char="■"/>
+              <a:defRPr sz="1400" b="0" i="0" u="none" strike="noStrike" cap="none">
+                <a:solidFill>
+                  <a:schemeClr val="dk2"/>
+                </a:solidFill>
+                <a:latin typeface="Arial"/>
+                <a:ea typeface="Arial"/>
+                <a:cs typeface="Arial"/>
+                <a:sym typeface="Arial"/>
+              </a:defRPr>
+            </a:lvl3pPr>
+            <a:lvl4pPr marL="1828800" marR="0" lvl="3" indent="-317500" algn="l" rtl="0">
+              <a:lnSpc>
+                <a:spcPct val="115000"/>
+              </a:lnSpc>
+              <a:spcBef>
+                <a:spcPts val="0"/>
+              </a:spcBef>
+              <a:spcAft>
+                <a:spcPts val="0"/>
+              </a:spcAft>
+              <a:buClr>
+                <a:schemeClr val="dk2"/>
+              </a:buClr>
+              <a:buSzPts val="1400"/>
+              <a:buFont typeface="Arial"/>
+              <a:buChar char="●"/>
+              <a:defRPr sz="1400" b="0" i="0" u="none" strike="noStrike" cap="none">
+                <a:solidFill>
+                  <a:schemeClr val="dk2"/>
+                </a:solidFill>
+                <a:latin typeface="Arial"/>
+                <a:ea typeface="Arial"/>
+                <a:cs typeface="Arial"/>
+                <a:sym typeface="Arial"/>
+              </a:defRPr>
+            </a:lvl4pPr>
+            <a:lvl5pPr marL="2286000" marR="0" lvl="4" indent="-317500" algn="l" rtl="0">
+              <a:lnSpc>
+                <a:spcPct val="115000"/>
+              </a:lnSpc>
+              <a:spcBef>
+                <a:spcPts val="0"/>
+              </a:spcBef>
+              <a:spcAft>
+                <a:spcPts val="0"/>
+              </a:spcAft>
+              <a:buClr>
+                <a:schemeClr val="dk2"/>
+              </a:buClr>
+              <a:buSzPts val="1400"/>
+              <a:buFont typeface="Arial"/>
+              <a:buChar char="○"/>
+              <a:defRPr sz="1400" b="0" i="0" u="none" strike="noStrike" cap="none">
+                <a:solidFill>
+                  <a:schemeClr val="dk2"/>
+                </a:solidFill>
+                <a:latin typeface="Arial"/>
+                <a:ea typeface="Arial"/>
+                <a:cs typeface="Arial"/>
+                <a:sym typeface="Arial"/>
+              </a:defRPr>
+            </a:lvl5pPr>
+            <a:lvl6pPr marL="2743200" marR="0" lvl="5" indent="-317500" algn="l" rtl="0">
+              <a:lnSpc>
+                <a:spcPct val="115000"/>
+              </a:lnSpc>
+              <a:spcBef>
+                <a:spcPts val="0"/>
+              </a:spcBef>
+              <a:spcAft>
+                <a:spcPts val="0"/>
+              </a:spcAft>
+              <a:buClr>
+                <a:schemeClr val="dk2"/>
+              </a:buClr>
+              <a:buSzPts val="1400"/>
+              <a:buFont typeface="Arial"/>
+              <a:buChar char="■"/>
+              <a:defRPr sz="1400" b="0" i="0" u="none" strike="noStrike" cap="none">
+                <a:solidFill>
+                  <a:schemeClr val="dk2"/>
+                </a:solidFill>
+                <a:latin typeface="Arial"/>
+                <a:ea typeface="Arial"/>
+                <a:cs typeface="Arial"/>
+                <a:sym typeface="Arial"/>
+              </a:defRPr>
+            </a:lvl6pPr>
+            <a:lvl7pPr marL="3200400" marR="0" lvl="6" indent="-317500" algn="l" rtl="0">
+              <a:lnSpc>
+                <a:spcPct val="115000"/>
+              </a:lnSpc>
+              <a:spcBef>
+                <a:spcPts val="0"/>
+              </a:spcBef>
+              <a:spcAft>
+                <a:spcPts val="0"/>
+              </a:spcAft>
+              <a:buClr>
+                <a:schemeClr val="dk2"/>
+              </a:buClr>
+              <a:buSzPts val="1400"/>
+              <a:buFont typeface="Arial"/>
+              <a:buChar char="●"/>
+              <a:defRPr sz="1400" b="0" i="0" u="none" strike="noStrike" cap="none">
+                <a:solidFill>
+                  <a:schemeClr val="dk2"/>
+                </a:solidFill>
+                <a:latin typeface="Arial"/>
+                <a:ea typeface="Arial"/>
+                <a:cs typeface="Arial"/>
+                <a:sym typeface="Arial"/>
+              </a:defRPr>
+            </a:lvl7pPr>
+            <a:lvl8pPr marL="3657600" marR="0" lvl="7" indent="-317500" algn="l" rtl="0">
+              <a:lnSpc>
+                <a:spcPct val="115000"/>
+              </a:lnSpc>
+              <a:spcBef>
+                <a:spcPts val="0"/>
+              </a:spcBef>
+              <a:spcAft>
+                <a:spcPts val="0"/>
+              </a:spcAft>
+              <a:buClr>
+                <a:schemeClr val="dk2"/>
+              </a:buClr>
+              <a:buSzPts val="1400"/>
+              <a:buFont typeface="Arial"/>
+              <a:buChar char="○"/>
+              <a:defRPr sz="1400" b="0" i="0" u="none" strike="noStrike" cap="none">
+                <a:solidFill>
+                  <a:schemeClr val="dk2"/>
+                </a:solidFill>
+                <a:latin typeface="Arial"/>
+                <a:ea typeface="Arial"/>
+                <a:cs typeface="Arial"/>
+                <a:sym typeface="Arial"/>
+              </a:defRPr>
+            </a:lvl8pPr>
+            <a:lvl9pPr marL="4114800" marR="0" lvl="8" indent="-317500" algn="l" rtl="0">
+              <a:lnSpc>
+                <a:spcPct val="115000"/>
+              </a:lnSpc>
+              <a:spcBef>
+                <a:spcPts val="0"/>
+              </a:spcBef>
+              <a:spcAft>
+                <a:spcPts val="0"/>
+              </a:spcAft>
+              <a:buClr>
+                <a:schemeClr val="dk2"/>
+              </a:buClr>
+              <a:buSzPts val="1400"/>
+              <a:buFont typeface="Arial"/>
+              <a:buChar char="■"/>
+              <a:defRPr sz="1400" b="0" i="0" u="none" strike="noStrike" cap="none">
+                <a:solidFill>
+                  <a:schemeClr val="dk2"/>
+                </a:solidFill>
+                <a:latin typeface="Arial"/>
+                <a:ea typeface="Arial"/>
+                <a:cs typeface="Arial"/>
+                <a:sym typeface="Arial"/>
+              </a:defRPr>
+            </a:lvl9pPr>
+          </a:lstStyle>
+          <a:p>
+            <a:pPr marL="165100" indent="0">
+              <a:buClr>
+                <a:schemeClr val="dk1"/>
+              </a:buClr>
+              <a:buSzPts val="1000"/>
+              <a:buNone/>
+            </a:pPr>
+            <a:r>
+              <a:rPr lang="en-US" sz="1000" dirty="0">
+                <a:solidFill>
+                  <a:schemeClr val="tx2"/>
+                </a:solidFill>
+              </a:rPr>
+              <a:t>Block Availability API</a:t>
+            </a:r>
+          </a:p>
+          <a:p>
+            <a:pPr indent="-292100">
+              <a:buClr>
+                <a:schemeClr val="dk1"/>
+              </a:buClr>
+              <a:buSzPts val="1000"/>
+            </a:pPr>
+            <a:endParaRPr lang="en-US" sz="1600" dirty="0">
+              <a:solidFill>
+                <a:schemeClr val="tx2"/>
+              </a:solidFill>
+            </a:endParaRPr>
+          </a:p>
+        </p:txBody>
+      </p:sp>
+      <p:sp>
+        <p:nvSpPr>
+          <p:cNvPr id="10" name="Google Shape;60;p14">
+            <a:extLst>
+              <a:ext uri="{FF2B5EF4-FFF2-40B4-BE49-F238E27FC236}">
+                <a16:creationId xmlns:a16="http://schemas.microsoft.com/office/drawing/2014/main" id="{69E37E59-BDE4-44CF-B54C-BF88D7C88757}"/>
+              </a:ext>
+            </a:extLst>
+          </p:cNvPr>
+          <p:cNvSpPr txBox="1">
+            <a:spLocks/>
+          </p:cNvSpPr>
+          <p:nvPr/>
+        </p:nvSpPr>
+        <p:spPr>
+          <a:xfrm>
+            <a:off x="3554769" y="217580"/>
+            <a:ext cx="2034461" cy="557788"/>
+          </a:xfrm>
+          <a:prstGeom prst="rect">
+            <a:avLst/>
+          </a:prstGeom>
+          <a:noFill/>
+          <a:ln>
+            <a:noFill/>
+          </a:ln>
+        </p:spPr>
+        <p:txBody>
+          <a:bodyPr spcFirstLastPara="1" wrap="square" lIns="91425" tIns="91425" rIns="91425" bIns="91425" anchor="t" anchorCtr="0">
+            <a:noAutofit/>
+          </a:bodyPr>
+          <a:lstStyle>
+            <a:defPPr marR="0" lvl="0" algn="l" rtl="0">
+              <a:lnSpc>
+                <a:spcPct val="100000"/>
+              </a:lnSpc>
+              <a:spcBef>
+                <a:spcPts val="0"/>
+              </a:spcBef>
+              <a:spcAft>
+                <a:spcPts val="0"/>
+              </a:spcAft>
+            </a:defPPr>
+            <a:lvl1pPr marL="457200" marR="0" lvl="0" indent="-342900" algn="l" rtl="0">
+              <a:lnSpc>
+                <a:spcPct val="115000"/>
+              </a:lnSpc>
+              <a:spcBef>
+                <a:spcPts val="0"/>
+              </a:spcBef>
+              <a:spcAft>
+                <a:spcPts val="0"/>
+              </a:spcAft>
+              <a:buClr>
+                <a:schemeClr val="dk2"/>
+              </a:buClr>
+              <a:buSzPts val="1800"/>
+              <a:buFont typeface="Arial"/>
+              <a:buChar char="●"/>
+              <a:defRPr sz="1800" b="0" i="0" u="none" strike="noStrike" cap="none">
+                <a:solidFill>
+                  <a:schemeClr val="dk2"/>
+                </a:solidFill>
+                <a:latin typeface="Arial"/>
+                <a:ea typeface="Arial"/>
+                <a:cs typeface="Arial"/>
+                <a:sym typeface="Arial"/>
+              </a:defRPr>
+            </a:lvl1pPr>
+            <a:lvl2pPr marL="914400" marR="0" lvl="1" indent="-317500" algn="l" rtl="0">
+              <a:lnSpc>
+                <a:spcPct val="115000"/>
+              </a:lnSpc>
+              <a:spcBef>
+                <a:spcPts val="0"/>
+              </a:spcBef>
+              <a:spcAft>
+                <a:spcPts val="0"/>
+              </a:spcAft>
+              <a:buClr>
+                <a:schemeClr val="dk2"/>
+              </a:buClr>
+              <a:buSzPts val="1400"/>
+              <a:buFont typeface="Arial"/>
+              <a:buChar char="○"/>
+              <a:defRPr sz="1400" b="0" i="0" u="none" strike="noStrike" cap="none">
+                <a:solidFill>
+                  <a:schemeClr val="dk2"/>
+                </a:solidFill>
+                <a:latin typeface="Arial"/>
+                <a:ea typeface="Arial"/>
+                <a:cs typeface="Arial"/>
+                <a:sym typeface="Arial"/>
+              </a:defRPr>
+            </a:lvl2pPr>
+            <a:lvl3pPr marL="1371600" marR="0" lvl="2" indent="-317500" algn="l" rtl="0">
+              <a:lnSpc>
+                <a:spcPct val="115000"/>
+              </a:lnSpc>
+              <a:spcBef>
+                <a:spcPts val="0"/>
+              </a:spcBef>
+              <a:spcAft>
+                <a:spcPts val="0"/>
+              </a:spcAft>
+              <a:buClr>
+                <a:schemeClr val="dk2"/>
+              </a:buClr>
+              <a:buSzPts val="1400"/>
+              <a:buFont typeface="Arial"/>
+              <a:buChar char="■"/>
+              <a:defRPr sz="1400" b="0" i="0" u="none" strike="noStrike" cap="none">
+                <a:solidFill>
+                  <a:schemeClr val="dk2"/>
+                </a:solidFill>
+                <a:latin typeface="Arial"/>
+                <a:ea typeface="Arial"/>
+                <a:cs typeface="Arial"/>
+                <a:sym typeface="Arial"/>
+              </a:defRPr>
+            </a:lvl3pPr>
+            <a:lvl4pPr marL="1828800" marR="0" lvl="3" indent="-317500" algn="l" rtl="0">
+              <a:lnSpc>
+                <a:spcPct val="115000"/>
+              </a:lnSpc>
+              <a:spcBef>
+                <a:spcPts val="0"/>
+              </a:spcBef>
+              <a:spcAft>
+                <a:spcPts val="0"/>
+              </a:spcAft>
+              <a:buClr>
+                <a:schemeClr val="dk2"/>
+              </a:buClr>
+              <a:buSzPts val="1400"/>
+              <a:buFont typeface="Arial"/>
+              <a:buChar char="●"/>
+              <a:defRPr sz="1400" b="0" i="0" u="none" strike="noStrike" cap="none">
+                <a:solidFill>
+                  <a:schemeClr val="dk2"/>
+                </a:solidFill>
+                <a:latin typeface="Arial"/>
+                <a:ea typeface="Arial"/>
+                <a:cs typeface="Arial"/>
+                <a:sym typeface="Arial"/>
+              </a:defRPr>
+            </a:lvl4pPr>
+            <a:lvl5pPr marL="2286000" marR="0" lvl="4" indent="-317500" algn="l" rtl="0">
+              <a:lnSpc>
+                <a:spcPct val="115000"/>
+              </a:lnSpc>
+              <a:spcBef>
+                <a:spcPts val="0"/>
+              </a:spcBef>
+              <a:spcAft>
+                <a:spcPts val="0"/>
+              </a:spcAft>
+              <a:buClr>
+                <a:schemeClr val="dk2"/>
+              </a:buClr>
+              <a:buSzPts val="1400"/>
+              <a:buFont typeface="Arial"/>
+              <a:buChar char="○"/>
+              <a:defRPr sz="1400" b="0" i="0" u="none" strike="noStrike" cap="none">
+                <a:solidFill>
+                  <a:schemeClr val="dk2"/>
+                </a:solidFill>
+                <a:latin typeface="Arial"/>
+                <a:ea typeface="Arial"/>
+                <a:cs typeface="Arial"/>
+                <a:sym typeface="Arial"/>
+              </a:defRPr>
+            </a:lvl5pPr>
+            <a:lvl6pPr marL="2743200" marR="0" lvl="5" indent="-317500" algn="l" rtl="0">
+              <a:lnSpc>
+                <a:spcPct val="115000"/>
+              </a:lnSpc>
+              <a:spcBef>
+                <a:spcPts val="0"/>
+              </a:spcBef>
+              <a:spcAft>
+                <a:spcPts val="0"/>
+              </a:spcAft>
+              <a:buClr>
+                <a:schemeClr val="dk2"/>
+              </a:buClr>
+              <a:buSzPts val="1400"/>
+              <a:buFont typeface="Arial"/>
+              <a:buChar char="■"/>
+              <a:defRPr sz="1400" b="0" i="0" u="none" strike="noStrike" cap="none">
+                <a:solidFill>
+                  <a:schemeClr val="dk2"/>
+                </a:solidFill>
+                <a:latin typeface="Arial"/>
+                <a:ea typeface="Arial"/>
+                <a:cs typeface="Arial"/>
+                <a:sym typeface="Arial"/>
+              </a:defRPr>
+            </a:lvl6pPr>
+            <a:lvl7pPr marL="3200400" marR="0" lvl="6" indent="-317500" algn="l" rtl="0">
+              <a:lnSpc>
+                <a:spcPct val="115000"/>
+              </a:lnSpc>
+              <a:spcBef>
+                <a:spcPts val="0"/>
+              </a:spcBef>
+              <a:spcAft>
+                <a:spcPts val="0"/>
+              </a:spcAft>
+              <a:buClr>
+                <a:schemeClr val="dk2"/>
+              </a:buClr>
+              <a:buSzPts val="1400"/>
+              <a:buFont typeface="Arial"/>
+              <a:buChar char="●"/>
+              <a:defRPr sz="1400" b="0" i="0" u="none" strike="noStrike" cap="none">
+                <a:solidFill>
+                  <a:schemeClr val="dk2"/>
+                </a:solidFill>
+                <a:latin typeface="Arial"/>
+                <a:ea typeface="Arial"/>
+                <a:cs typeface="Arial"/>
+                <a:sym typeface="Arial"/>
+              </a:defRPr>
+            </a:lvl7pPr>
+            <a:lvl8pPr marL="3657600" marR="0" lvl="7" indent="-317500" algn="l" rtl="0">
+              <a:lnSpc>
+                <a:spcPct val="115000"/>
+              </a:lnSpc>
+              <a:spcBef>
+                <a:spcPts val="0"/>
+              </a:spcBef>
+              <a:spcAft>
+                <a:spcPts val="0"/>
+              </a:spcAft>
+              <a:buClr>
+                <a:schemeClr val="dk2"/>
+              </a:buClr>
+              <a:buSzPts val="1400"/>
+              <a:buFont typeface="Arial"/>
+              <a:buChar char="○"/>
+              <a:defRPr sz="1400" b="0" i="0" u="none" strike="noStrike" cap="none">
+                <a:solidFill>
+                  <a:schemeClr val="dk2"/>
+                </a:solidFill>
+                <a:latin typeface="Arial"/>
+                <a:ea typeface="Arial"/>
+                <a:cs typeface="Arial"/>
+                <a:sym typeface="Arial"/>
+              </a:defRPr>
+            </a:lvl8pPr>
+            <a:lvl9pPr marL="4114800" marR="0" lvl="8" indent="-317500" algn="l" rtl="0">
+              <a:lnSpc>
+                <a:spcPct val="115000"/>
+              </a:lnSpc>
+              <a:spcBef>
+                <a:spcPts val="0"/>
+              </a:spcBef>
+              <a:spcAft>
+                <a:spcPts val="0"/>
+              </a:spcAft>
+              <a:buClr>
+                <a:schemeClr val="dk2"/>
+              </a:buClr>
+              <a:buSzPts val="1400"/>
+              <a:buFont typeface="Arial"/>
+              <a:buChar char="■"/>
+              <a:defRPr sz="1400" b="0" i="0" u="none" strike="noStrike" cap="none">
+                <a:solidFill>
+                  <a:schemeClr val="dk2"/>
+                </a:solidFill>
+                <a:latin typeface="Arial"/>
+                <a:ea typeface="Arial"/>
+                <a:cs typeface="Arial"/>
+                <a:sym typeface="Arial"/>
+              </a:defRPr>
+            </a:lvl9pPr>
+          </a:lstStyle>
+          <a:p>
+            <a:pPr marL="165100" indent="0">
+              <a:buClr>
+                <a:schemeClr val="dk1"/>
+              </a:buClr>
+              <a:buSzPts val="1000"/>
+              <a:buNone/>
+            </a:pPr>
+            <a:r>
+              <a:rPr lang="en-US" sz="2400" dirty="0">
+                <a:solidFill>
+                  <a:schemeClr val="tx2"/>
+                </a:solidFill>
+              </a:rPr>
+              <a:t>API Usage</a:t>
+            </a:r>
+          </a:p>
+          <a:p>
+            <a:pPr indent="-292100">
+              <a:buClr>
+                <a:schemeClr val="dk1"/>
+              </a:buClr>
+              <a:buSzPts val="1000"/>
+            </a:pPr>
+            <a:endParaRPr lang="en-US" sz="1600" dirty="0">
+              <a:solidFill>
+                <a:schemeClr val="tx2"/>
+              </a:solidFill>
+            </a:endParaRPr>
+          </a:p>
+        </p:txBody>
+      </p:sp>
+    </p:spTree>
+    <p:extLst>
+      <p:ext uri="{BB962C8B-B14F-4D97-AF65-F5344CB8AC3E}">
+        <p14:creationId xmlns:p14="http://schemas.microsoft.com/office/powerpoint/2010/main" val="1382512718"/>
+      </p:ext>
+    </p:extLst>
+  </p:cSld>
+  <p:clrMapOvr>
+    <a:masterClrMapping/>
+  </p:clrMapOvr>
+</p:sld>
+</file>
+
+<file path=ppt/slides/slide3.xml><?xml version="1.0" encoding="utf-8"?>
+<p:sld xmlns:a="http://schemas.openxmlformats.org/drawingml/2006/main" xmlns:r="http://schemas.openxmlformats.org/officeDocument/2006/relationships" xmlns:p="http://schemas.openxmlformats.org/presentationml/2006/main">
+  <p:cSld>
+    <p:bg>
+      <p:bgPr>
+        <a:solidFill>
+          <a:schemeClr val="tx1"/>
+        </a:solidFill>
+        <a:effectLst/>
+      </p:bgPr>
+    </p:bg>
+    <p:spTree>
+      <p:nvGrpSpPr>
         <p:cNvPr id="1" name="Shape 58"/>
         <p:cNvGrpSpPr/>
         <p:nvPr/>
@@ -7368,7 +8292,7 @@
 </p:sld>
 </file>
 
-<file path=ppt/slides/slide3.xml><?xml version="1.0" encoding="utf-8"?>
+<file path=ppt/slides/slide4.xml><?xml version="1.0" encoding="utf-8"?>
 <p:sld xmlns:a="http://schemas.openxmlformats.org/drawingml/2006/main" xmlns:r="http://schemas.openxmlformats.org/officeDocument/2006/relationships" xmlns:p="http://schemas.openxmlformats.org/presentationml/2006/main">
   <p:cSld>
     <p:bg>
@@ -7393,72 +8317,12 @@
           <a:chExt cx="0" cy="0"/>
         </a:xfrm>
       </p:grpSpPr>
-      <p:pic>
-        <p:nvPicPr>
-          <p:cNvPr id="5" name="图片 4" descr="文本&#10;&#10;描述已自动生成">
+      <p:sp>
+        <p:nvSpPr>
+          <p:cNvPr id="6" name="Google Shape;60;p14">
             <a:extLst>
               <a:ext uri="{FF2B5EF4-FFF2-40B4-BE49-F238E27FC236}">
-                <a16:creationId xmlns:a16="http://schemas.microsoft.com/office/drawing/2014/main" id="{B757AFFE-6B0E-B541-5857-B8FF5663B705}"/>
-              </a:ext>
-            </a:extLst>
-          </p:cNvPr>
-          <p:cNvPicPr>
-            <a:picLocks noChangeAspect="1"/>
-          </p:cNvPicPr>
-          <p:nvPr/>
-        </p:nvPicPr>
-        <p:blipFill>
-          <a:blip r:embed="rId2"/>
-          <a:stretch>
-            <a:fillRect/>
-          </a:stretch>
-        </p:blipFill>
-        <p:spPr>
-          <a:xfrm>
-            <a:off x="75289" y="1982645"/>
-            <a:ext cx="2154564" cy="1670601"/>
-          </a:xfrm>
-          <a:prstGeom prst="rect">
-            <a:avLst/>
-          </a:prstGeom>
-        </p:spPr>
-      </p:pic>
-      <p:pic>
-        <p:nvPicPr>
-          <p:cNvPr id="7" name="图片 6" descr="文本&#10;&#10;描述已自动生成">
-            <a:extLst>
-              <a:ext uri="{FF2B5EF4-FFF2-40B4-BE49-F238E27FC236}">
-                <a16:creationId xmlns:a16="http://schemas.microsoft.com/office/drawing/2014/main" id="{EB2DDEB3-F258-EBB7-7CF2-83B5EB3901CA}"/>
-              </a:ext>
-            </a:extLst>
-          </p:cNvPr>
-          <p:cNvPicPr>
-            <a:picLocks noChangeAspect="1"/>
-          </p:cNvPicPr>
-          <p:nvPr/>
-        </p:nvPicPr>
-        <p:blipFill>
-          <a:blip r:embed="rId3"/>
-          <a:stretch>
-            <a:fillRect/>
-          </a:stretch>
-        </p:blipFill>
-        <p:spPr>
-          <a:xfrm>
-            <a:off x="2326530" y="1982645"/>
-            <a:ext cx="2154564" cy="1670601"/>
-          </a:xfrm>
-          <a:prstGeom prst="rect">
-            <a:avLst/>
-          </a:prstGeom>
-        </p:spPr>
-      </p:pic>
-      <p:sp>
-        <p:nvSpPr>
-          <p:cNvPr id="8" name="Google Shape;60;p14">
-            <a:extLst>
-              <a:ext uri="{FF2B5EF4-FFF2-40B4-BE49-F238E27FC236}">
-                <a16:creationId xmlns:a16="http://schemas.microsoft.com/office/drawing/2014/main" id="{3C97BE61-3320-30E6-1308-DAE0B563D56C}"/>
+                <a16:creationId xmlns:a16="http://schemas.microsoft.com/office/drawing/2014/main" id="{85D8C590-BF77-41F2-0D93-F4C38E7D57EA}"/>
               </a:ext>
             </a:extLst>
           </p:cNvPr>
@@ -7469,8 +8333,8 @@
         </p:nvSpPr>
         <p:spPr>
           <a:xfrm>
-            <a:off x="135340" y="1636435"/>
-            <a:ext cx="2034461" cy="474547"/>
+            <a:off x="-42779" y="174801"/>
+            <a:ext cx="4562535" cy="557788"/>
           </a:xfrm>
           <a:prstGeom prst="rect">
             <a:avLst/>
@@ -7740,12 +8604,12 @@
               <a:buNone/>
             </a:pPr>
             <a:r>
-              <a:rPr lang="en-US" sz="1000" dirty="0">
+              <a:rPr lang="en-US" altLang="zh-CN" sz="2400" dirty="0">
                 <a:solidFill>
                   <a:schemeClr val="tx2"/>
                 </a:solidFill>
               </a:rPr>
-              <a:t>Current Snow Condition API</a:t>
+              <a:t>Hotel Status Query Workflow</a:t>
             </a:r>
           </a:p>
           <a:p>
@@ -7765,628 +8629,260 @@
       </p:sp>
       <p:sp>
         <p:nvSpPr>
-          <p:cNvPr id="9" name="Google Shape;60;p14">
+          <p:cNvPr id="7" name="矩形 6">
             <a:extLst>
               <a:ext uri="{FF2B5EF4-FFF2-40B4-BE49-F238E27FC236}">
-                <a16:creationId xmlns:a16="http://schemas.microsoft.com/office/drawing/2014/main" id="{5BE62CB3-9FC9-215F-3CE6-7BD3E0E69BDC}"/>
+                <a16:creationId xmlns:a16="http://schemas.microsoft.com/office/drawing/2014/main" id="{F6113FD4-9427-4B5F-9771-57DDDE3A7D16}"/>
               </a:ext>
             </a:extLst>
           </p:cNvPr>
-          <p:cNvSpPr txBox="1">
-            <a:spLocks/>
-          </p:cNvSpPr>
+          <p:cNvSpPr/>
           <p:nvPr/>
         </p:nvSpPr>
         <p:spPr>
           <a:xfrm>
-            <a:off x="2591839" y="1636434"/>
-            <a:ext cx="1623945" cy="474547"/>
+            <a:off x="1310106" y="2208463"/>
+            <a:ext cx="1315452" cy="557788"/>
           </a:xfrm>
           <a:prstGeom prst="rect">
             <a:avLst/>
           </a:prstGeom>
-          <a:noFill/>
-          <a:ln>
-            <a:noFill/>
-          </a:ln>
         </p:spPr>
+        <p:style>
+          <a:lnRef idx="2">
+            <a:schemeClr val="accent1">
+              <a:shade val="15000"/>
+            </a:schemeClr>
+          </a:lnRef>
+          <a:fillRef idx="1">
+            <a:schemeClr val="accent1"/>
+          </a:fillRef>
+          <a:effectRef idx="0">
+            <a:schemeClr val="accent1"/>
+          </a:effectRef>
+          <a:fontRef idx="minor">
+            <a:schemeClr val="lt1"/>
+          </a:fontRef>
+        </p:style>
         <p:txBody>
-          <a:bodyPr spcFirstLastPara="1" wrap="square" lIns="91425" tIns="91425" rIns="91425" bIns="91425" anchor="t" anchorCtr="0">
-            <a:noAutofit/>
-          </a:bodyPr>
-          <a:lstStyle>
-            <a:defPPr marR="0" lvl="0" algn="l" rtl="0">
-              <a:lnSpc>
-                <a:spcPct val="100000"/>
-              </a:lnSpc>
-              <a:spcBef>
-                <a:spcPts val="0"/>
-              </a:spcBef>
-              <a:spcAft>
-                <a:spcPts val="0"/>
-              </a:spcAft>
-            </a:defPPr>
-            <a:lvl1pPr marL="457200" marR="0" lvl="0" indent="-342900" algn="l" rtl="0">
-              <a:lnSpc>
-                <a:spcPct val="115000"/>
-              </a:lnSpc>
-              <a:spcBef>
-                <a:spcPts val="0"/>
-              </a:spcBef>
-              <a:spcAft>
-                <a:spcPts val="0"/>
-              </a:spcAft>
-              <a:buClr>
-                <a:schemeClr val="dk2"/>
-              </a:buClr>
-              <a:buSzPts val="1800"/>
-              <a:buFont typeface="Arial"/>
-              <a:buChar char="●"/>
-              <a:defRPr sz="1800" b="0" i="0" u="none" strike="noStrike" cap="none">
-                <a:solidFill>
-                  <a:schemeClr val="dk2"/>
-                </a:solidFill>
-                <a:latin typeface="Arial"/>
-                <a:ea typeface="Arial"/>
-                <a:cs typeface="Arial"/>
-                <a:sym typeface="Arial"/>
-              </a:defRPr>
-            </a:lvl1pPr>
-            <a:lvl2pPr marL="914400" marR="0" lvl="1" indent="-317500" algn="l" rtl="0">
-              <a:lnSpc>
-                <a:spcPct val="115000"/>
-              </a:lnSpc>
-              <a:spcBef>
-                <a:spcPts val="0"/>
-              </a:spcBef>
-              <a:spcAft>
-                <a:spcPts val="0"/>
-              </a:spcAft>
-              <a:buClr>
-                <a:schemeClr val="dk2"/>
-              </a:buClr>
-              <a:buSzPts val="1400"/>
-              <a:buFont typeface="Arial"/>
-              <a:buChar char="○"/>
-              <a:defRPr sz="1400" b="0" i="0" u="none" strike="noStrike" cap="none">
-                <a:solidFill>
-                  <a:schemeClr val="dk2"/>
-                </a:solidFill>
-                <a:latin typeface="Arial"/>
-                <a:ea typeface="Arial"/>
-                <a:cs typeface="Arial"/>
-                <a:sym typeface="Arial"/>
-              </a:defRPr>
-            </a:lvl2pPr>
-            <a:lvl3pPr marL="1371600" marR="0" lvl="2" indent="-317500" algn="l" rtl="0">
-              <a:lnSpc>
-                <a:spcPct val="115000"/>
-              </a:lnSpc>
-              <a:spcBef>
-                <a:spcPts val="0"/>
-              </a:spcBef>
-              <a:spcAft>
-                <a:spcPts val="0"/>
-              </a:spcAft>
-              <a:buClr>
-                <a:schemeClr val="dk2"/>
-              </a:buClr>
-              <a:buSzPts val="1400"/>
-              <a:buFont typeface="Arial"/>
-              <a:buChar char="■"/>
-              <a:defRPr sz="1400" b="0" i="0" u="none" strike="noStrike" cap="none">
-                <a:solidFill>
-                  <a:schemeClr val="dk2"/>
-                </a:solidFill>
-                <a:latin typeface="Arial"/>
-                <a:ea typeface="Arial"/>
-                <a:cs typeface="Arial"/>
-                <a:sym typeface="Arial"/>
-              </a:defRPr>
-            </a:lvl3pPr>
-            <a:lvl4pPr marL="1828800" marR="0" lvl="3" indent="-317500" algn="l" rtl="0">
-              <a:lnSpc>
-                <a:spcPct val="115000"/>
-              </a:lnSpc>
-              <a:spcBef>
-                <a:spcPts val="0"/>
-              </a:spcBef>
-              <a:spcAft>
-                <a:spcPts val="0"/>
-              </a:spcAft>
-              <a:buClr>
-                <a:schemeClr val="dk2"/>
-              </a:buClr>
-              <a:buSzPts val="1400"/>
-              <a:buFont typeface="Arial"/>
-              <a:buChar char="●"/>
-              <a:defRPr sz="1400" b="0" i="0" u="none" strike="noStrike" cap="none">
-                <a:solidFill>
-                  <a:schemeClr val="dk2"/>
-                </a:solidFill>
-                <a:latin typeface="Arial"/>
-                <a:ea typeface="Arial"/>
-                <a:cs typeface="Arial"/>
-                <a:sym typeface="Arial"/>
-              </a:defRPr>
-            </a:lvl4pPr>
-            <a:lvl5pPr marL="2286000" marR="0" lvl="4" indent="-317500" algn="l" rtl="0">
-              <a:lnSpc>
-                <a:spcPct val="115000"/>
-              </a:lnSpc>
-              <a:spcBef>
-                <a:spcPts val="0"/>
-              </a:spcBef>
-              <a:spcAft>
-                <a:spcPts val="0"/>
-              </a:spcAft>
-              <a:buClr>
-                <a:schemeClr val="dk2"/>
-              </a:buClr>
-              <a:buSzPts val="1400"/>
-              <a:buFont typeface="Arial"/>
-              <a:buChar char="○"/>
-              <a:defRPr sz="1400" b="0" i="0" u="none" strike="noStrike" cap="none">
-                <a:solidFill>
-                  <a:schemeClr val="dk2"/>
-                </a:solidFill>
-                <a:latin typeface="Arial"/>
-                <a:ea typeface="Arial"/>
-                <a:cs typeface="Arial"/>
-                <a:sym typeface="Arial"/>
-              </a:defRPr>
-            </a:lvl5pPr>
-            <a:lvl6pPr marL="2743200" marR="0" lvl="5" indent="-317500" algn="l" rtl="0">
-              <a:lnSpc>
-                <a:spcPct val="115000"/>
-              </a:lnSpc>
-              <a:spcBef>
-                <a:spcPts val="0"/>
-              </a:spcBef>
-              <a:spcAft>
-                <a:spcPts val="0"/>
-              </a:spcAft>
-              <a:buClr>
-                <a:schemeClr val="dk2"/>
-              </a:buClr>
-              <a:buSzPts val="1400"/>
-              <a:buFont typeface="Arial"/>
-              <a:buChar char="■"/>
-              <a:defRPr sz="1400" b="0" i="0" u="none" strike="noStrike" cap="none">
-                <a:solidFill>
-                  <a:schemeClr val="dk2"/>
-                </a:solidFill>
-                <a:latin typeface="Arial"/>
-                <a:ea typeface="Arial"/>
-                <a:cs typeface="Arial"/>
-                <a:sym typeface="Arial"/>
-              </a:defRPr>
-            </a:lvl6pPr>
-            <a:lvl7pPr marL="3200400" marR="0" lvl="6" indent="-317500" algn="l" rtl="0">
-              <a:lnSpc>
-                <a:spcPct val="115000"/>
-              </a:lnSpc>
-              <a:spcBef>
-                <a:spcPts val="0"/>
-              </a:spcBef>
-              <a:spcAft>
-                <a:spcPts val="0"/>
-              </a:spcAft>
-              <a:buClr>
-                <a:schemeClr val="dk2"/>
-              </a:buClr>
-              <a:buSzPts val="1400"/>
-              <a:buFont typeface="Arial"/>
-              <a:buChar char="●"/>
-              <a:defRPr sz="1400" b="0" i="0" u="none" strike="noStrike" cap="none">
-                <a:solidFill>
-                  <a:schemeClr val="dk2"/>
-                </a:solidFill>
-                <a:latin typeface="Arial"/>
-                <a:ea typeface="Arial"/>
-                <a:cs typeface="Arial"/>
-                <a:sym typeface="Arial"/>
-              </a:defRPr>
-            </a:lvl7pPr>
-            <a:lvl8pPr marL="3657600" marR="0" lvl="7" indent="-317500" algn="l" rtl="0">
-              <a:lnSpc>
-                <a:spcPct val="115000"/>
-              </a:lnSpc>
-              <a:spcBef>
-                <a:spcPts val="0"/>
-              </a:spcBef>
-              <a:spcAft>
-                <a:spcPts val="0"/>
-              </a:spcAft>
-              <a:buClr>
-                <a:schemeClr val="dk2"/>
-              </a:buClr>
-              <a:buSzPts val="1400"/>
-              <a:buFont typeface="Arial"/>
-              <a:buChar char="○"/>
-              <a:defRPr sz="1400" b="0" i="0" u="none" strike="noStrike" cap="none">
-                <a:solidFill>
-                  <a:schemeClr val="dk2"/>
-                </a:solidFill>
-                <a:latin typeface="Arial"/>
-                <a:ea typeface="Arial"/>
-                <a:cs typeface="Arial"/>
-                <a:sym typeface="Arial"/>
-              </a:defRPr>
-            </a:lvl8pPr>
-            <a:lvl9pPr marL="4114800" marR="0" lvl="8" indent="-317500" algn="l" rtl="0">
-              <a:lnSpc>
-                <a:spcPct val="115000"/>
-              </a:lnSpc>
-              <a:spcBef>
-                <a:spcPts val="0"/>
-              </a:spcBef>
-              <a:spcAft>
-                <a:spcPts val="0"/>
-              </a:spcAft>
-              <a:buClr>
-                <a:schemeClr val="dk2"/>
-              </a:buClr>
-              <a:buSzPts val="1400"/>
-              <a:buFont typeface="Arial"/>
-              <a:buChar char="■"/>
-              <a:defRPr sz="1400" b="0" i="0" u="none" strike="noStrike" cap="none">
-                <a:solidFill>
-                  <a:schemeClr val="dk2"/>
-                </a:solidFill>
-                <a:latin typeface="Arial"/>
-                <a:ea typeface="Arial"/>
-                <a:cs typeface="Arial"/>
-                <a:sym typeface="Arial"/>
-              </a:defRPr>
-            </a:lvl9pPr>
-          </a:lstStyle>
+          <a:bodyPr rtlCol="0" anchor="ctr"/>
+          <a:lstStyle/>
           <a:p>
-            <a:pPr marL="165100" indent="0">
-              <a:buClr>
-                <a:schemeClr val="dk1"/>
-              </a:buClr>
-              <a:buSzPts val="1000"/>
-              <a:buNone/>
-            </a:pPr>
+            <a:pPr algn="ctr"/>
             <a:r>
-              <a:rPr lang="en-US" sz="1000" dirty="0">
-                <a:solidFill>
-                  <a:schemeClr val="tx2"/>
-                </a:solidFill>
-              </a:rPr>
-              <a:t>Block Availability API</a:t>
+              <a:rPr lang="en-US" altLang="zh-CN" dirty="0"/>
+              <a:t>API Call</a:t>
             </a:r>
-          </a:p>
-          <a:p>
-            <a:pPr indent="-292100">
-              <a:buClr>
-                <a:schemeClr val="dk1"/>
-              </a:buClr>
-              <a:buSzPts val="1000"/>
-            </a:pPr>
-            <a:endParaRPr lang="en-US" sz="1600" dirty="0">
-              <a:solidFill>
-                <a:schemeClr val="tx2"/>
-              </a:solidFill>
-            </a:endParaRPr>
+            <a:endParaRPr lang="zh-CN" altLang="en-US" dirty="0"/>
           </a:p>
         </p:txBody>
       </p:sp>
       <p:sp>
         <p:nvSpPr>
-          <p:cNvPr id="10" name="Google Shape;60;p14">
+          <p:cNvPr id="8" name="矩形 7">
             <a:extLst>
               <a:ext uri="{FF2B5EF4-FFF2-40B4-BE49-F238E27FC236}">
-                <a16:creationId xmlns:a16="http://schemas.microsoft.com/office/drawing/2014/main" id="{69E37E59-BDE4-44CF-B54C-BF88D7C88757}"/>
+                <a16:creationId xmlns:a16="http://schemas.microsoft.com/office/drawing/2014/main" id="{FBA4225E-A33D-1DDD-A715-C801930490F9}"/>
               </a:ext>
             </a:extLst>
           </p:cNvPr>
-          <p:cNvSpPr txBox="1">
-            <a:spLocks/>
-          </p:cNvSpPr>
+          <p:cNvSpPr/>
           <p:nvPr/>
         </p:nvSpPr>
         <p:spPr>
           <a:xfrm>
-            <a:off x="3554769" y="217580"/>
-            <a:ext cx="2034461" cy="557788"/>
+            <a:off x="3184359" y="2208463"/>
+            <a:ext cx="1836820" cy="557788"/>
           </a:xfrm>
           <a:prstGeom prst="rect">
             <a:avLst/>
           </a:prstGeom>
-          <a:noFill/>
-          <a:ln>
-            <a:noFill/>
-          </a:ln>
         </p:spPr>
+        <p:style>
+          <a:lnRef idx="2">
+            <a:schemeClr val="accent1">
+              <a:shade val="15000"/>
+            </a:schemeClr>
+          </a:lnRef>
+          <a:fillRef idx="1">
+            <a:schemeClr val="accent1"/>
+          </a:fillRef>
+          <a:effectRef idx="0">
+            <a:schemeClr val="accent1"/>
+          </a:effectRef>
+          <a:fontRef idx="minor">
+            <a:schemeClr val="lt1"/>
+          </a:fontRef>
+        </p:style>
         <p:txBody>
-          <a:bodyPr spcFirstLastPara="1" wrap="square" lIns="91425" tIns="91425" rIns="91425" bIns="91425" anchor="t" anchorCtr="0">
-            <a:noAutofit/>
-          </a:bodyPr>
-          <a:lstStyle>
-            <a:defPPr marR="0" lvl="0" algn="l" rtl="0">
-              <a:lnSpc>
-                <a:spcPct val="100000"/>
-              </a:lnSpc>
-              <a:spcBef>
-                <a:spcPts val="0"/>
-              </a:spcBef>
-              <a:spcAft>
-                <a:spcPts val="0"/>
-              </a:spcAft>
-            </a:defPPr>
-            <a:lvl1pPr marL="457200" marR="0" lvl="0" indent="-342900" algn="l" rtl="0">
-              <a:lnSpc>
-                <a:spcPct val="115000"/>
-              </a:lnSpc>
-              <a:spcBef>
-                <a:spcPts val="0"/>
-              </a:spcBef>
-              <a:spcAft>
-                <a:spcPts val="0"/>
-              </a:spcAft>
-              <a:buClr>
-                <a:schemeClr val="dk2"/>
-              </a:buClr>
-              <a:buSzPts val="1800"/>
-              <a:buFont typeface="Arial"/>
-              <a:buChar char="●"/>
-              <a:defRPr sz="1800" b="0" i="0" u="none" strike="noStrike" cap="none">
-                <a:solidFill>
-                  <a:schemeClr val="dk2"/>
-                </a:solidFill>
-                <a:latin typeface="Arial"/>
-                <a:ea typeface="Arial"/>
-                <a:cs typeface="Arial"/>
-                <a:sym typeface="Arial"/>
-              </a:defRPr>
-            </a:lvl1pPr>
-            <a:lvl2pPr marL="914400" marR="0" lvl="1" indent="-317500" algn="l" rtl="0">
-              <a:lnSpc>
-                <a:spcPct val="115000"/>
-              </a:lnSpc>
-              <a:spcBef>
-                <a:spcPts val="0"/>
-              </a:spcBef>
-              <a:spcAft>
-                <a:spcPts val="0"/>
-              </a:spcAft>
-              <a:buClr>
-                <a:schemeClr val="dk2"/>
-              </a:buClr>
-              <a:buSzPts val="1400"/>
-              <a:buFont typeface="Arial"/>
-              <a:buChar char="○"/>
-              <a:defRPr sz="1400" b="0" i="0" u="none" strike="noStrike" cap="none">
-                <a:solidFill>
-                  <a:schemeClr val="dk2"/>
-                </a:solidFill>
-                <a:latin typeface="Arial"/>
-                <a:ea typeface="Arial"/>
-                <a:cs typeface="Arial"/>
-                <a:sym typeface="Arial"/>
-              </a:defRPr>
-            </a:lvl2pPr>
-            <a:lvl3pPr marL="1371600" marR="0" lvl="2" indent="-317500" algn="l" rtl="0">
-              <a:lnSpc>
-                <a:spcPct val="115000"/>
-              </a:lnSpc>
-              <a:spcBef>
-                <a:spcPts val="0"/>
-              </a:spcBef>
-              <a:spcAft>
-                <a:spcPts val="0"/>
-              </a:spcAft>
-              <a:buClr>
-                <a:schemeClr val="dk2"/>
-              </a:buClr>
-              <a:buSzPts val="1400"/>
-              <a:buFont typeface="Arial"/>
-              <a:buChar char="■"/>
-              <a:defRPr sz="1400" b="0" i="0" u="none" strike="noStrike" cap="none">
-                <a:solidFill>
-                  <a:schemeClr val="dk2"/>
-                </a:solidFill>
-                <a:latin typeface="Arial"/>
-                <a:ea typeface="Arial"/>
-                <a:cs typeface="Arial"/>
-                <a:sym typeface="Arial"/>
-              </a:defRPr>
-            </a:lvl3pPr>
-            <a:lvl4pPr marL="1828800" marR="0" lvl="3" indent="-317500" algn="l" rtl="0">
-              <a:lnSpc>
-                <a:spcPct val="115000"/>
-              </a:lnSpc>
-              <a:spcBef>
-                <a:spcPts val="0"/>
-              </a:spcBef>
-              <a:spcAft>
-                <a:spcPts val="0"/>
-              </a:spcAft>
-              <a:buClr>
-                <a:schemeClr val="dk2"/>
-              </a:buClr>
-              <a:buSzPts val="1400"/>
-              <a:buFont typeface="Arial"/>
-              <a:buChar char="●"/>
-              <a:defRPr sz="1400" b="0" i="0" u="none" strike="noStrike" cap="none">
-                <a:solidFill>
-                  <a:schemeClr val="dk2"/>
-                </a:solidFill>
-                <a:latin typeface="Arial"/>
-                <a:ea typeface="Arial"/>
-                <a:cs typeface="Arial"/>
-                <a:sym typeface="Arial"/>
-              </a:defRPr>
-            </a:lvl4pPr>
-            <a:lvl5pPr marL="2286000" marR="0" lvl="4" indent="-317500" algn="l" rtl="0">
-              <a:lnSpc>
-                <a:spcPct val="115000"/>
-              </a:lnSpc>
-              <a:spcBef>
-                <a:spcPts val="0"/>
-              </a:spcBef>
-              <a:spcAft>
-                <a:spcPts val="0"/>
-              </a:spcAft>
-              <a:buClr>
-                <a:schemeClr val="dk2"/>
-              </a:buClr>
-              <a:buSzPts val="1400"/>
-              <a:buFont typeface="Arial"/>
-              <a:buChar char="○"/>
-              <a:defRPr sz="1400" b="0" i="0" u="none" strike="noStrike" cap="none">
-                <a:solidFill>
-                  <a:schemeClr val="dk2"/>
-                </a:solidFill>
-                <a:latin typeface="Arial"/>
-                <a:ea typeface="Arial"/>
-                <a:cs typeface="Arial"/>
-                <a:sym typeface="Arial"/>
-              </a:defRPr>
-            </a:lvl5pPr>
-            <a:lvl6pPr marL="2743200" marR="0" lvl="5" indent="-317500" algn="l" rtl="0">
-              <a:lnSpc>
-                <a:spcPct val="115000"/>
-              </a:lnSpc>
-              <a:spcBef>
-                <a:spcPts val="0"/>
-              </a:spcBef>
-              <a:spcAft>
-                <a:spcPts val="0"/>
-              </a:spcAft>
-              <a:buClr>
-                <a:schemeClr val="dk2"/>
-              </a:buClr>
-              <a:buSzPts val="1400"/>
-              <a:buFont typeface="Arial"/>
-              <a:buChar char="■"/>
-              <a:defRPr sz="1400" b="0" i="0" u="none" strike="noStrike" cap="none">
-                <a:solidFill>
-                  <a:schemeClr val="dk2"/>
-                </a:solidFill>
-                <a:latin typeface="Arial"/>
-                <a:ea typeface="Arial"/>
-                <a:cs typeface="Arial"/>
-                <a:sym typeface="Arial"/>
-              </a:defRPr>
-            </a:lvl6pPr>
-            <a:lvl7pPr marL="3200400" marR="0" lvl="6" indent="-317500" algn="l" rtl="0">
-              <a:lnSpc>
-                <a:spcPct val="115000"/>
-              </a:lnSpc>
-              <a:spcBef>
-                <a:spcPts val="0"/>
-              </a:spcBef>
-              <a:spcAft>
-                <a:spcPts val="0"/>
-              </a:spcAft>
-              <a:buClr>
-                <a:schemeClr val="dk2"/>
-              </a:buClr>
-              <a:buSzPts val="1400"/>
-              <a:buFont typeface="Arial"/>
-              <a:buChar char="●"/>
-              <a:defRPr sz="1400" b="0" i="0" u="none" strike="noStrike" cap="none">
-                <a:solidFill>
-                  <a:schemeClr val="dk2"/>
-                </a:solidFill>
-                <a:latin typeface="Arial"/>
-                <a:ea typeface="Arial"/>
-                <a:cs typeface="Arial"/>
-                <a:sym typeface="Arial"/>
-              </a:defRPr>
-            </a:lvl7pPr>
-            <a:lvl8pPr marL="3657600" marR="0" lvl="7" indent="-317500" algn="l" rtl="0">
-              <a:lnSpc>
-                <a:spcPct val="115000"/>
-              </a:lnSpc>
-              <a:spcBef>
-                <a:spcPts val="0"/>
-              </a:spcBef>
-              <a:spcAft>
-                <a:spcPts val="0"/>
-              </a:spcAft>
-              <a:buClr>
-                <a:schemeClr val="dk2"/>
-              </a:buClr>
-              <a:buSzPts val="1400"/>
-              <a:buFont typeface="Arial"/>
-              <a:buChar char="○"/>
-              <a:defRPr sz="1400" b="0" i="0" u="none" strike="noStrike" cap="none">
-                <a:solidFill>
-                  <a:schemeClr val="dk2"/>
-                </a:solidFill>
-                <a:latin typeface="Arial"/>
-                <a:ea typeface="Arial"/>
-                <a:cs typeface="Arial"/>
-                <a:sym typeface="Arial"/>
-              </a:defRPr>
-            </a:lvl8pPr>
-            <a:lvl9pPr marL="4114800" marR="0" lvl="8" indent="-317500" algn="l" rtl="0">
-              <a:lnSpc>
-                <a:spcPct val="115000"/>
-              </a:lnSpc>
-              <a:spcBef>
-                <a:spcPts val="0"/>
-              </a:spcBef>
-              <a:spcAft>
-                <a:spcPts val="0"/>
-              </a:spcAft>
-              <a:buClr>
-                <a:schemeClr val="dk2"/>
-              </a:buClr>
-              <a:buSzPts val="1400"/>
-              <a:buFont typeface="Arial"/>
-              <a:buChar char="■"/>
-              <a:defRPr sz="1400" b="0" i="0" u="none" strike="noStrike" cap="none">
-                <a:solidFill>
-                  <a:schemeClr val="dk2"/>
-                </a:solidFill>
-                <a:latin typeface="Arial"/>
-                <a:ea typeface="Arial"/>
-                <a:cs typeface="Arial"/>
-                <a:sym typeface="Arial"/>
-              </a:defRPr>
-            </a:lvl9pPr>
-          </a:lstStyle>
+          <a:bodyPr rtlCol="0" anchor="ctr"/>
+          <a:lstStyle/>
           <a:p>
-            <a:pPr marL="165100" indent="0">
-              <a:buClr>
-                <a:schemeClr val="dk1"/>
-              </a:buClr>
-              <a:buSzPts val="1000"/>
-              <a:buNone/>
-            </a:pPr>
+            <a:pPr algn="ctr"/>
             <a:r>
-              <a:rPr lang="en-US" sz="2400" dirty="0">
-                <a:solidFill>
-                  <a:schemeClr val="tx2"/>
-                </a:solidFill>
-              </a:rPr>
-              <a:t>API Usage</a:t>
+              <a:rPr lang="en-US" altLang="zh-CN" dirty="0"/>
+              <a:t>Re-organize the JSON API response</a:t>
+            </a:r>
+            <a:endParaRPr lang="zh-CN" altLang="en-US" dirty="0"/>
+          </a:p>
+        </p:txBody>
+      </p:sp>
+      <p:sp>
+        <p:nvSpPr>
+          <p:cNvPr id="9" name="矩形 8">
+            <a:extLst>
+              <a:ext uri="{FF2B5EF4-FFF2-40B4-BE49-F238E27FC236}">
+                <a16:creationId xmlns:a16="http://schemas.microsoft.com/office/drawing/2014/main" id="{4CB6041A-3AE4-5D6E-AD67-F8FB306F52A0}"/>
+              </a:ext>
+            </a:extLst>
+          </p:cNvPr>
+          <p:cNvSpPr/>
+          <p:nvPr/>
+        </p:nvSpPr>
+        <p:spPr>
+          <a:xfrm>
+            <a:off x="5579980" y="1968662"/>
+            <a:ext cx="2371557" cy="1037389"/>
+          </a:xfrm>
+          <a:prstGeom prst="rect">
+            <a:avLst/>
+          </a:prstGeom>
+        </p:spPr>
+        <p:style>
+          <a:lnRef idx="2">
+            <a:schemeClr val="accent1">
+              <a:shade val="15000"/>
+            </a:schemeClr>
+          </a:lnRef>
+          <a:fillRef idx="1">
+            <a:schemeClr val="accent1"/>
+          </a:fillRef>
+          <a:effectRef idx="0">
+            <a:schemeClr val="accent1"/>
+          </a:effectRef>
+          <a:fontRef idx="minor">
+            <a:schemeClr val="lt1"/>
+          </a:fontRef>
+        </p:style>
+        <p:txBody>
+          <a:bodyPr rtlCol="0" anchor="ctr"/>
+          <a:lstStyle/>
+          <a:p>
+            <a:pPr algn="ctr"/>
+            <a:r>
+              <a:rPr lang="en-US" altLang="zh-CN" dirty="0"/>
+              <a:t>Iterate all the “Block”</a:t>
             </a:r>
           </a:p>
           <a:p>
-            <a:pPr indent="-292100">
-              <a:buClr>
-                <a:schemeClr val="dk1"/>
-              </a:buClr>
-              <a:buSzPts val="1000"/>
-            </a:pPr>
-            <a:endParaRPr lang="en-US" sz="1600" dirty="0">
-              <a:solidFill>
-                <a:schemeClr val="tx2"/>
-              </a:solidFill>
-            </a:endParaRPr>
+            <a:pPr algn="ctr"/>
+            <a:r>
+              <a:rPr lang="en-US" altLang="zh-CN" dirty="0"/>
+              <a:t>In each “Block”, iterate through all the items</a:t>
+            </a:r>
+          </a:p>
+          <a:p>
+            <a:pPr algn="ctr"/>
+            <a:r>
+              <a:rPr lang="en-US" altLang="zh-CN" dirty="0"/>
+              <a:t>Count unique </a:t>
+            </a:r>
+            <a:r>
+              <a:rPr lang="en-US" altLang="zh-CN" dirty="0" err="1"/>
+              <a:t>room_id</a:t>
+            </a:r>
+            <a:endParaRPr lang="zh-CN" altLang="en-US" dirty="0"/>
           </a:p>
         </p:txBody>
       </p:sp>
+      <p:cxnSp>
+        <p:nvCxnSpPr>
+          <p:cNvPr id="11" name="直接箭头连接符 10">
+            <a:extLst>
+              <a:ext uri="{FF2B5EF4-FFF2-40B4-BE49-F238E27FC236}">
+                <a16:creationId xmlns:a16="http://schemas.microsoft.com/office/drawing/2014/main" id="{9EE967A2-A573-7E2A-FEAB-0BE57E63B58C}"/>
+              </a:ext>
+            </a:extLst>
+          </p:cNvPr>
+          <p:cNvCxnSpPr>
+            <a:stCxn id="7" idx="3"/>
+            <a:endCxn id="8" idx="1"/>
+          </p:cNvCxnSpPr>
+          <p:nvPr/>
+        </p:nvCxnSpPr>
+        <p:spPr>
+          <a:xfrm>
+            <a:off x="2625558" y="2487357"/>
+            <a:ext cx="558801" cy="0"/>
+          </a:xfrm>
+          <a:prstGeom prst="straightConnector1">
+            <a:avLst/>
+          </a:prstGeom>
+          <a:ln>
+            <a:tailEnd type="triangle"/>
+          </a:ln>
+        </p:spPr>
+        <p:style>
+          <a:lnRef idx="1">
+            <a:schemeClr val="accent1"/>
+          </a:lnRef>
+          <a:fillRef idx="0">
+            <a:schemeClr val="accent1"/>
+          </a:fillRef>
+          <a:effectRef idx="0">
+            <a:schemeClr val="accent1"/>
+          </a:effectRef>
+          <a:fontRef idx="minor">
+            <a:schemeClr val="tx1"/>
+          </a:fontRef>
+        </p:style>
+      </p:cxnSp>
+      <p:cxnSp>
+        <p:nvCxnSpPr>
+          <p:cNvPr id="13" name="直接箭头连接符 12">
+            <a:extLst>
+              <a:ext uri="{FF2B5EF4-FFF2-40B4-BE49-F238E27FC236}">
+                <a16:creationId xmlns:a16="http://schemas.microsoft.com/office/drawing/2014/main" id="{15B56F9E-57E7-3AD5-68EC-029D1CA24848}"/>
+              </a:ext>
+            </a:extLst>
+          </p:cNvPr>
+          <p:cNvCxnSpPr>
+            <a:stCxn id="8" idx="3"/>
+            <a:endCxn id="9" idx="1"/>
+          </p:cNvCxnSpPr>
+          <p:nvPr/>
+        </p:nvCxnSpPr>
+        <p:spPr>
+          <a:xfrm>
+            <a:off x="5021179" y="2487357"/>
+            <a:ext cx="558801" cy="0"/>
+          </a:xfrm>
+          <a:prstGeom prst="straightConnector1">
+            <a:avLst/>
+          </a:prstGeom>
+          <a:ln>
+            <a:tailEnd type="triangle"/>
+          </a:ln>
+        </p:spPr>
+        <p:style>
+          <a:lnRef idx="1">
+            <a:schemeClr val="accent1"/>
+          </a:lnRef>
+          <a:fillRef idx="0">
+            <a:schemeClr val="accent1"/>
+          </a:fillRef>
+          <a:effectRef idx="0">
+            <a:schemeClr val="accent1"/>
+          </a:effectRef>
+          <a:fontRef idx="minor">
+            <a:schemeClr val="tx1"/>
+          </a:fontRef>
+        </p:style>
+      </p:cxnSp>
     </p:spTree>
     <p:extLst>
       <p:ext uri="{BB962C8B-B14F-4D97-AF65-F5344CB8AC3E}">
-        <p14:creationId xmlns:p14="http://schemas.microsoft.com/office/powerpoint/2010/main" val="1382512718"/>
+        <p14:creationId xmlns:p14="http://schemas.microsoft.com/office/powerpoint/2010/main" val="3208188378"/>
       </p:ext>
     </p:extLst>
   </p:cSld>
@@ -8396,7 +8892,7 @@
 </p:sld>
 </file>
 
-<file path=ppt/slides/slide4.xml><?xml version="1.0" encoding="utf-8"?>
+<file path=ppt/slides/slide5.xml><?xml version="1.0" encoding="utf-8"?>
 <p:sld xmlns:a="http://schemas.openxmlformats.org/drawingml/2006/main" xmlns:r="http://schemas.openxmlformats.org/officeDocument/2006/relationships" xmlns:p="http://schemas.openxmlformats.org/presentationml/2006/main">
   <p:cSld>
     <p:bg>
@@ -9110,411 +9606,6 @@
         <p14:creationId xmlns:p14="http://schemas.microsoft.com/office/powerpoint/2010/main" val="1605248952"/>
       </p:ext>
     </p:extLst>
-  </p:cSld>
-  <p:clrMapOvr>
-    <a:masterClrMapping/>
-  </p:clrMapOvr>
-</p:sld>
-</file>
-
-<file path=ppt/slides/slide5.xml><?xml version="1.0" encoding="utf-8"?>
-<p:sld xmlns:a="http://schemas.openxmlformats.org/drawingml/2006/main" xmlns:r="http://schemas.openxmlformats.org/officeDocument/2006/relationships" xmlns:p="http://schemas.openxmlformats.org/presentationml/2006/main">
-  <p:cSld>
-    <p:bg>
-      <p:bgPr>
-        <a:solidFill>
-          <a:schemeClr val="tx1"/>
-        </a:solidFill>
-        <a:effectLst/>
-      </p:bgPr>
-    </p:bg>
-    <p:spTree>
-      <p:nvGrpSpPr>
-        <p:cNvPr id="1" name="Shape 58"/>
-        <p:cNvGrpSpPr/>
-        <p:nvPr/>
-      </p:nvGrpSpPr>
-      <p:grpSpPr>
-        <a:xfrm>
-          <a:off x="0" y="0"/>
-          <a:ext cx="0" cy="0"/>
-          <a:chOff x="0" y="0"/>
-          <a:chExt cx="0" cy="0"/>
-        </a:xfrm>
-      </p:grpSpPr>
-      <p:sp>
-        <p:nvSpPr>
-          <p:cNvPr id="5" name="矩形 4">
-            <a:extLst>
-              <a:ext uri="{FF2B5EF4-FFF2-40B4-BE49-F238E27FC236}">
-                <a16:creationId xmlns:a16="http://schemas.microsoft.com/office/drawing/2014/main" id="{4AC734AC-440B-8ED7-33E0-8D2313158FB8}"/>
-              </a:ext>
-            </a:extLst>
-          </p:cNvPr>
-          <p:cNvSpPr/>
-          <p:nvPr/>
-        </p:nvSpPr>
-        <p:spPr>
-          <a:xfrm>
-            <a:off x="6107151" y="0"/>
-            <a:ext cx="3036849" cy="5143500"/>
-          </a:xfrm>
-          <a:prstGeom prst="rect">
-            <a:avLst/>
-          </a:prstGeom>
-          <a:solidFill>
-            <a:schemeClr val="tx1">
-              <a:lumMod val="75000"/>
-              <a:lumOff val="25000"/>
-            </a:schemeClr>
-          </a:solidFill>
-          <a:ln>
-            <a:noFill/>
-          </a:ln>
-        </p:spPr>
-        <p:style>
-          <a:lnRef idx="2">
-            <a:schemeClr val="accent1">
-              <a:shade val="15000"/>
-            </a:schemeClr>
-          </a:lnRef>
-          <a:fillRef idx="1">
-            <a:schemeClr val="accent1"/>
-          </a:fillRef>
-          <a:effectRef idx="0">
-            <a:schemeClr val="accent1"/>
-          </a:effectRef>
-          <a:fontRef idx="minor">
-            <a:schemeClr val="lt1"/>
-          </a:fontRef>
-        </p:style>
-        <p:txBody>
-          <a:bodyPr rtlCol="0" anchor="ctr"/>
-          <a:lstStyle/>
-          <a:p>
-            <a:pPr algn="ctr"/>
-            <a:endParaRPr lang="zh-CN" altLang="en-US"/>
-          </a:p>
-        </p:txBody>
-      </p:sp>
-      <p:sp>
-        <p:nvSpPr>
-          <p:cNvPr id="60" name="Google Shape;60;p14"/>
-          <p:cNvSpPr txBox="1">
-            <a:spLocks noGrp="1"/>
-          </p:cNvSpPr>
-          <p:nvPr>
-            <p:ph type="body" idx="1"/>
-          </p:nvPr>
-        </p:nvSpPr>
-        <p:spPr>
-          <a:xfrm>
-            <a:off x="549444" y="878172"/>
-            <a:ext cx="4269444" cy="3387155"/>
-          </a:xfrm>
-          <a:prstGeom prst="rect">
-            <a:avLst/>
-          </a:prstGeom>
-          <a:solidFill>
-            <a:schemeClr val="tx1"/>
-          </a:solidFill>
-        </p:spPr>
-        <p:txBody>
-          <a:bodyPr spcFirstLastPara="1" wrap="square" lIns="91425" tIns="91425" rIns="91425" bIns="91425" anchor="t" anchorCtr="0">
-            <a:noAutofit/>
-          </a:bodyPr>
-          <a:lstStyle/>
-          <a:p>
-            <a:pPr marL="457200" lvl="0" indent="-292100" algn="l" rtl="0">
-              <a:spcBef>
-                <a:spcPts val="1000"/>
-              </a:spcBef>
-              <a:spcAft>
-                <a:spcPts val="0"/>
-              </a:spcAft>
-              <a:buClr>
-                <a:schemeClr val="dk1"/>
-              </a:buClr>
-              <a:buSzPts val="1000"/>
-              <a:buChar char="●"/>
-            </a:pPr>
-            <a:r>
-              <a:rPr lang="en" sz="1600" dirty="0">
-                <a:solidFill>
-                  <a:schemeClr val="tx2"/>
-                </a:solidFill>
-              </a:rPr>
-              <a:t>1. Brief Introduction</a:t>
-            </a:r>
-            <a:endParaRPr sz="1600" dirty="0">
-              <a:solidFill>
-                <a:schemeClr val="tx2"/>
-              </a:solidFill>
-            </a:endParaRPr>
-          </a:p>
-          <a:p>
-            <a:pPr marL="457200" lvl="0" indent="-292100" algn="l" rtl="0">
-              <a:spcBef>
-                <a:spcPts val="0"/>
-              </a:spcBef>
-              <a:spcAft>
-                <a:spcPts val="0"/>
-              </a:spcAft>
-              <a:buClr>
-                <a:schemeClr val="dk1"/>
-              </a:buClr>
-              <a:buSzPts val="1000"/>
-              <a:buChar char="●"/>
-            </a:pPr>
-            <a:endParaRPr lang="en" sz="1600" dirty="0">
-              <a:solidFill>
-                <a:schemeClr val="tx2"/>
-              </a:solidFill>
-            </a:endParaRPr>
-          </a:p>
-          <a:p>
-            <a:pPr marL="457200" lvl="0" indent="-292100" algn="l" rtl="0">
-              <a:spcBef>
-                <a:spcPts val="0"/>
-              </a:spcBef>
-              <a:spcAft>
-                <a:spcPts val="0"/>
-              </a:spcAft>
-              <a:buClr>
-                <a:schemeClr val="dk1"/>
-              </a:buClr>
-              <a:buSzPts val="1000"/>
-              <a:buChar char="●"/>
-            </a:pPr>
-            <a:r>
-              <a:rPr lang="en" sz="1600" dirty="0">
-                <a:solidFill>
-                  <a:schemeClr val="tx2"/>
-                </a:solidFill>
-              </a:rPr>
-              <a:t>2. Changes from the previous</a:t>
-            </a:r>
-          </a:p>
-          <a:p>
-            <a:pPr marL="457200" lvl="0" indent="-292100" algn="l" rtl="0">
-              <a:spcBef>
-                <a:spcPts val="0"/>
-              </a:spcBef>
-              <a:spcAft>
-                <a:spcPts val="0"/>
-              </a:spcAft>
-              <a:buClr>
-                <a:schemeClr val="dk1"/>
-              </a:buClr>
-              <a:buSzPts val="1000"/>
-              <a:buChar char="●"/>
-            </a:pPr>
-            <a:r>
-              <a:rPr lang="en-US" sz="1600" dirty="0">
-                <a:solidFill>
-                  <a:schemeClr val="tx2"/>
-                </a:solidFill>
-              </a:rPr>
-              <a:t>S</a:t>
-            </a:r>
-            <a:r>
-              <a:rPr lang="en" sz="1600" dirty="0">
-                <a:solidFill>
-                  <a:schemeClr val="tx2"/>
-                </a:solidFill>
-              </a:rPr>
-              <a:t>tructure build</a:t>
-            </a:r>
-          </a:p>
-          <a:p>
-            <a:pPr marL="457200" lvl="0" indent="-292100" algn="l" rtl="0">
-              <a:spcBef>
-                <a:spcPts val="0"/>
-              </a:spcBef>
-              <a:spcAft>
-                <a:spcPts val="0"/>
-              </a:spcAft>
-              <a:buClr>
-                <a:schemeClr val="dk1"/>
-              </a:buClr>
-              <a:buSzPts val="1000"/>
-              <a:buChar char="●"/>
-            </a:pPr>
-            <a:r>
-              <a:rPr lang="en-US" sz="1600" dirty="0">
-                <a:solidFill>
-                  <a:schemeClr val="tx2"/>
-                </a:solidFill>
-              </a:rPr>
-              <a:t>L</a:t>
-            </a:r>
-            <a:r>
-              <a:rPr lang="en" sz="1600" dirty="0">
-                <a:solidFill>
-                  <a:schemeClr val="tx2"/>
-                </a:solidFill>
-              </a:rPr>
-              <a:t>ayout build</a:t>
-            </a:r>
-          </a:p>
-          <a:p>
-            <a:pPr marL="457200" lvl="0" indent="-292100" algn="l" rtl="0">
-              <a:spcBef>
-                <a:spcPts val="0"/>
-              </a:spcBef>
-              <a:spcAft>
-                <a:spcPts val="0"/>
-              </a:spcAft>
-              <a:buClr>
-                <a:schemeClr val="dk1"/>
-              </a:buClr>
-              <a:buSzPts val="1000"/>
-              <a:buChar char="●"/>
-            </a:pPr>
-            <a:r>
-              <a:rPr lang="en-US" sz="1600" dirty="0">
-                <a:solidFill>
-                  <a:schemeClr val="tx2"/>
-                </a:solidFill>
-              </a:rPr>
-              <a:t>W</a:t>
-            </a:r>
-            <a:r>
-              <a:rPr lang="en" sz="1600" dirty="0">
-                <a:solidFill>
-                  <a:schemeClr val="tx2"/>
-                </a:solidFill>
-              </a:rPr>
-              <a:t>idget build</a:t>
-            </a:r>
-          </a:p>
-          <a:p>
-            <a:pPr marL="457200" lvl="0" indent="-292100" algn="l" rtl="0">
-              <a:spcBef>
-                <a:spcPts val="0"/>
-              </a:spcBef>
-              <a:spcAft>
-                <a:spcPts val="0"/>
-              </a:spcAft>
-              <a:buClr>
-                <a:schemeClr val="dk1"/>
-              </a:buClr>
-              <a:buSzPts val="1000"/>
-              <a:buChar char="●"/>
-            </a:pPr>
-            <a:endParaRPr sz="1600" dirty="0">
-              <a:solidFill>
-                <a:schemeClr val="tx2"/>
-              </a:solidFill>
-            </a:endParaRPr>
-          </a:p>
-          <a:p>
-            <a:pPr marL="457200" lvl="0" indent="-292100" algn="l" rtl="0">
-              <a:spcBef>
-                <a:spcPts val="0"/>
-              </a:spcBef>
-              <a:spcAft>
-                <a:spcPts val="0"/>
-              </a:spcAft>
-              <a:buClr>
-                <a:schemeClr val="dk1"/>
-              </a:buClr>
-              <a:buSzPts val="1000"/>
-              <a:buChar char="●"/>
-            </a:pPr>
-            <a:r>
-              <a:rPr lang="en" sz="1600" dirty="0">
-                <a:solidFill>
-                  <a:schemeClr val="tx2"/>
-                </a:solidFill>
-              </a:rPr>
-              <a:t>3. Planned for the next</a:t>
-            </a:r>
-          </a:p>
-          <a:p>
-            <a:pPr marL="457200" lvl="0" indent="-292100" algn="l" rtl="0">
-              <a:spcBef>
-                <a:spcPts val="0"/>
-              </a:spcBef>
-              <a:spcAft>
-                <a:spcPts val="0"/>
-              </a:spcAft>
-              <a:buClr>
-                <a:schemeClr val="dk1"/>
-              </a:buClr>
-              <a:buSzPts val="1000"/>
-              <a:buChar char="●"/>
-            </a:pPr>
-            <a:r>
-              <a:rPr lang="en" sz="1600" dirty="0">
-                <a:solidFill>
-                  <a:schemeClr val="tx2"/>
-                </a:solidFill>
-              </a:rPr>
-              <a:t>API connection</a:t>
-            </a:r>
-          </a:p>
-          <a:p>
-            <a:pPr marL="457200" lvl="0" indent="-292100" algn="l" rtl="0">
-              <a:spcBef>
-                <a:spcPts val="0"/>
-              </a:spcBef>
-              <a:spcAft>
-                <a:spcPts val="0"/>
-              </a:spcAft>
-              <a:buClr>
-                <a:schemeClr val="dk1"/>
-              </a:buClr>
-              <a:buSzPts val="1000"/>
-              <a:buChar char="●"/>
-            </a:pPr>
-            <a:r>
-              <a:rPr lang="en" sz="1600" dirty="0">
-                <a:solidFill>
-                  <a:schemeClr val="tx2"/>
-                </a:solidFill>
-              </a:rPr>
-              <a:t>MVP prototype</a:t>
-            </a:r>
-            <a:endParaRPr sz="1600" dirty="0">
-              <a:solidFill>
-                <a:schemeClr val="tx2"/>
-              </a:solidFill>
-            </a:endParaRPr>
-          </a:p>
-        </p:txBody>
-      </p:sp>
-      <p:pic>
-        <p:nvPicPr>
-          <p:cNvPr id="4" name="图片 3" descr="手机屏幕的截图&#10;&#10;描述已自动生成">
-            <a:extLst>
-              <a:ext uri="{FF2B5EF4-FFF2-40B4-BE49-F238E27FC236}">
-                <a16:creationId xmlns:a16="http://schemas.microsoft.com/office/drawing/2014/main" id="{AB610AF1-00CF-D750-FD2F-E40902806AF5}"/>
-              </a:ext>
-            </a:extLst>
-          </p:cNvPr>
-          <p:cNvPicPr>
-            <a:picLocks noChangeAspect="1"/>
-          </p:cNvPicPr>
-          <p:nvPr/>
-        </p:nvPicPr>
-        <p:blipFill>
-          <a:blip r:embed="rId3"/>
-          <a:stretch>
-            <a:fillRect/>
-          </a:stretch>
-        </p:blipFill>
-        <p:spPr>
-          <a:xfrm>
-            <a:off x="6500307" y="0"/>
-            <a:ext cx="2365765" cy="5143500"/>
-          </a:xfrm>
-          <a:prstGeom prst="rect">
-            <a:avLst/>
-          </a:prstGeom>
-        </p:spPr>
-      </p:pic>
-    </p:spTree>
   </p:cSld>
   <p:clrMapOvr>
     <a:masterClrMapping/>
